--- a/Cruncher/blue.pptx
+++ b/Cruncher/blue.pptx
@@ -5,7 +5,39 @@
     <p:sldMasterId id="2147483648" r:id="rId1"/>
   </p:sldMasterIdLst>
   <p:sldIdLst>
-    <p:sldId id="256" r:id="rId2"/>
+    <p:sldId id="257" r:id="rId2"/>
+    <p:sldId id="258" r:id="rId3"/>
+    <p:sldId id="259" r:id="rId4"/>
+    <p:sldId id="260" r:id="rId5"/>
+    <p:sldId id="261" r:id="rId6"/>
+    <p:sldId id="262" r:id="rId7"/>
+    <p:sldId id="263" r:id="rId8"/>
+    <p:sldId id="264" r:id="rId9"/>
+    <p:sldId id="265" r:id="rId10"/>
+    <p:sldId id="266" r:id="rId11"/>
+    <p:sldId id="267" r:id="rId12"/>
+    <p:sldId id="268" r:id="rId13"/>
+    <p:sldId id="269" r:id="rId14"/>
+    <p:sldId id="270" r:id="rId15"/>
+    <p:sldId id="271" r:id="rId16"/>
+    <p:sldId id="272" r:id="rId17"/>
+    <p:sldId id="273" r:id="rId18"/>
+    <p:sldId id="274" r:id="rId19"/>
+    <p:sldId id="275" r:id="rId20"/>
+    <p:sldId id="276" r:id="rId21"/>
+    <p:sldId id="277" r:id="rId22"/>
+    <p:sldId id="278" r:id="rId23"/>
+    <p:sldId id="279" r:id="rId24"/>
+    <p:sldId id="280" r:id="rId25"/>
+    <p:sldId id="281" r:id="rId26"/>
+    <p:sldId id="282" r:id="rId27"/>
+    <p:sldId id="283" r:id="rId28"/>
+    <p:sldId id="284" r:id="rId29"/>
+    <p:sldId id="285" r:id="rId30"/>
+    <p:sldId id="286" r:id="rId31"/>
+    <p:sldId id="289" r:id="rId32"/>
+    <p:sldId id="287" r:id="rId33"/>
+    <p:sldId id="288" r:id="rId34"/>
   </p:sldIdLst>
   <p:sldSz cx="9144000" cy="6858000" type="screen4x3"/>
   <p:notesSz cx="6858000" cy="9144000"/>
@@ -288,7 +320,7 @@
           <a:p>
             <a:fld id="{EC79FF52-B5D1-2E48-9B39-2454B8FABFD7}" type="datetimeFigureOut">
               <a:rPr lang="en-US" smtClean="0"/>
-              <a:t>30/10/14</a:t>
+              <a:t>12/11/14</a:t>
             </a:fld>
             <a:endParaRPr lang="en-US"/>
           </a:p>
@@ -458,7 +490,7 @@
           <a:p>
             <a:fld id="{EC79FF52-B5D1-2E48-9B39-2454B8FABFD7}" type="datetimeFigureOut">
               <a:rPr lang="en-US" smtClean="0"/>
-              <a:t>30/10/14</a:t>
+              <a:t>12/11/14</a:t>
             </a:fld>
             <a:endParaRPr lang="en-US"/>
           </a:p>
@@ -638,7 +670,7 @@
           <a:p>
             <a:fld id="{EC79FF52-B5D1-2E48-9B39-2454B8FABFD7}" type="datetimeFigureOut">
               <a:rPr lang="en-US" smtClean="0"/>
-              <a:t>30/10/14</a:t>
+              <a:t>12/11/14</a:t>
             </a:fld>
             <a:endParaRPr lang="en-US"/>
           </a:p>
@@ -808,7 +840,7 @@
           <a:p>
             <a:fld id="{EC79FF52-B5D1-2E48-9B39-2454B8FABFD7}" type="datetimeFigureOut">
               <a:rPr lang="en-US" smtClean="0"/>
-              <a:t>30/10/14</a:t>
+              <a:t>12/11/14</a:t>
             </a:fld>
             <a:endParaRPr lang="en-US"/>
           </a:p>
@@ -1054,7 +1086,7 @@
           <a:p>
             <a:fld id="{EC79FF52-B5D1-2E48-9B39-2454B8FABFD7}" type="datetimeFigureOut">
               <a:rPr lang="en-US" smtClean="0"/>
-              <a:t>30/10/14</a:t>
+              <a:t>12/11/14</a:t>
             </a:fld>
             <a:endParaRPr lang="en-US"/>
           </a:p>
@@ -1342,7 +1374,7 @@
           <a:p>
             <a:fld id="{EC79FF52-B5D1-2E48-9B39-2454B8FABFD7}" type="datetimeFigureOut">
               <a:rPr lang="en-US" smtClean="0"/>
-              <a:t>30/10/14</a:t>
+              <a:t>12/11/14</a:t>
             </a:fld>
             <a:endParaRPr lang="en-US"/>
           </a:p>
@@ -1764,7 +1796,7 @@
           <a:p>
             <a:fld id="{EC79FF52-B5D1-2E48-9B39-2454B8FABFD7}" type="datetimeFigureOut">
               <a:rPr lang="en-US" smtClean="0"/>
-              <a:t>30/10/14</a:t>
+              <a:t>12/11/14</a:t>
             </a:fld>
             <a:endParaRPr lang="en-US"/>
           </a:p>
@@ -1882,7 +1914,7 @@
           <a:p>
             <a:fld id="{EC79FF52-B5D1-2E48-9B39-2454B8FABFD7}" type="datetimeFigureOut">
               <a:rPr lang="en-US" smtClean="0"/>
-              <a:t>30/10/14</a:t>
+              <a:t>12/11/14</a:t>
             </a:fld>
             <a:endParaRPr lang="en-US"/>
           </a:p>
@@ -1977,7 +2009,7 @@
           <a:p>
             <a:fld id="{EC79FF52-B5D1-2E48-9B39-2454B8FABFD7}" type="datetimeFigureOut">
               <a:rPr lang="en-US" smtClean="0"/>
-              <a:t>30/10/14</a:t>
+              <a:t>12/11/14</a:t>
             </a:fld>
             <a:endParaRPr lang="en-US"/>
           </a:p>
@@ -2254,7 +2286,7 @@
           <a:p>
             <a:fld id="{EC79FF52-B5D1-2E48-9B39-2454B8FABFD7}" type="datetimeFigureOut">
               <a:rPr lang="en-US" smtClean="0"/>
-              <a:t>30/10/14</a:t>
+              <a:t>12/11/14</a:t>
             </a:fld>
             <a:endParaRPr lang="en-US"/>
           </a:p>
@@ -2507,7 +2539,7 @@
           <a:p>
             <a:fld id="{EC79FF52-B5D1-2E48-9B39-2454B8FABFD7}" type="datetimeFigureOut">
               <a:rPr lang="en-US" smtClean="0"/>
-              <a:t>30/10/14</a:t>
+              <a:t>12/11/14</a:t>
             </a:fld>
             <a:endParaRPr lang="en-US"/>
           </a:p>
@@ -2720,7 +2752,7 @@
           <a:p>
             <a:fld id="{EC79FF52-B5D1-2E48-9B39-2454B8FABFD7}" type="datetimeFigureOut">
               <a:rPr lang="en-US" smtClean="0"/>
-              <a:t>30/10/14</a:t>
+              <a:t>12/11/14</a:t>
             </a:fld>
             <a:endParaRPr lang="en-US"/>
           </a:p>
@@ -3141,7 +3173,7 @@
                 <a:latin typeface="Arial"/>
                 <a:cs typeface="Arial"/>
               </a:rPr>
-              <a:t>STAIRS</a:t>
+              <a:t>TO LT15</a:t>
             </a:r>
             <a:endParaRPr lang="en-US" sz="11500" b="1" dirty="0">
               <a:latin typeface="Arial"/>
@@ -3153,7 +3185,2963 @@
     </p:spTree>
     <p:extLst>
       <p:ext uri="{BB962C8B-B14F-4D97-AF65-F5344CB8AC3E}">
-        <p14:creationId xmlns:p14="http://schemas.microsoft.com/office/powerpoint/2010/main" val="3579644027"/>
+        <p14:creationId xmlns:p14="http://schemas.microsoft.com/office/powerpoint/2010/main" val="2024208050"/>
+      </p:ext>
+    </p:extLst>
+  </p:cSld>
+  <p:clrMapOvr>
+    <a:masterClrMapping/>
+  </p:clrMapOvr>
+</p:sld>
+</file>
+
+<file path=ppt/slides/slide10.xml><?xml version="1.0" encoding="utf-8"?>
+<p:sld xmlns:a="http://schemas.openxmlformats.org/drawingml/2006/main" xmlns:r="http://schemas.openxmlformats.org/officeDocument/2006/relationships" xmlns:p="http://schemas.openxmlformats.org/presentationml/2006/main">
+  <p:cSld>
+    <p:spTree>
+      <p:nvGrpSpPr>
+        <p:cNvPr id="1" name=""/>
+        <p:cNvGrpSpPr/>
+        <p:nvPr/>
+      </p:nvGrpSpPr>
+      <p:grpSpPr>
+        <a:xfrm>
+          <a:off x="0" y="0"/>
+          <a:ext cx="0" cy="0"/>
+          <a:chOff x="0" y="0"/>
+          <a:chExt cx="0" cy="0"/>
+        </a:xfrm>
+      </p:grpSpPr>
+      <p:sp>
+        <p:nvSpPr>
+          <p:cNvPr id="4" name="Rectangle 3"/>
+          <p:cNvSpPr/>
+          <p:nvPr/>
+        </p:nvSpPr>
+        <p:spPr>
+          <a:xfrm>
+            <a:off x="232142" y="1146983"/>
+            <a:ext cx="8698492" cy="4424075"/>
+          </a:xfrm>
+          <a:prstGeom prst="rect">
+            <a:avLst/>
+          </a:prstGeom>
+          <a:solidFill>
+            <a:srgbClr val="00006B"/>
+          </a:solidFill>
+          <a:ln>
+            <a:noFill/>
+          </a:ln>
+          <a:effectLst/>
+        </p:spPr>
+        <p:style>
+          <a:lnRef idx="1">
+            <a:schemeClr val="accent1"/>
+          </a:lnRef>
+          <a:fillRef idx="3">
+            <a:schemeClr val="accent1"/>
+          </a:fillRef>
+          <a:effectRef idx="2">
+            <a:schemeClr val="accent1"/>
+          </a:effectRef>
+          <a:fontRef idx="minor">
+            <a:schemeClr val="lt1"/>
+          </a:fontRef>
+        </p:style>
+        <p:txBody>
+          <a:bodyPr rtlCol="0" anchor="ctr"/>
+          <a:lstStyle/>
+          <a:p>
+            <a:pPr algn="ctr"/>
+            <a:r>
+              <a:rPr lang="en-US" sz="11500" b="1" dirty="0" smtClean="0">
+                <a:latin typeface="Arial"/>
+                <a:cs typeface="Arial"/>
+              </a:rPr>
+              <a:t>P TEN</a:t>
+            </a:r>
+            <a:endParaRPr lang="en-US" sz="11500" b="1" dirty="0">
+              <a:latin typeface="Arial"/>
+              <a:cs typeface="Arial"/>
+            </a:endParaRPr>
+          </a:p>
+        </p:txBody>
+      </p:sp>
+    </p:spTree>
+    <p:extLst>
+      <p:ext uri="{BB962C8B-B14F-4D97-AF65-F5344CB8AC3E}">
+        <p14:creationId xmlns:p14="http://schemas.microsoft.com/office/powerpoint/2010/main" val="17777951"/>
+      </p:ext>
+    </p:extLst>
+  </p:cSld>
+  <p:clrMapOvr>
+    <a:masterClrMapping/>
+  </p:clrMapOvr>
+</p:sld>
+</file>
+
+<file path=ppt/slides/slide11.xml><?xml version="1.0" encoding="utf-8"?>
+<p:sld xmlns:a="http://schemas.openxmlformats.org/drawingml/2006/main" xmlns:r="http://schemas.openxmlformats.org/officeDocument/2006/relationships" xmlns:p="http://schemas.openxmlformats.org/presentationml/2006/main">
+  <p:cSld>
+    <p:spTree>
+      <p:nvGrpSpPr>
+        <p:cNvPr id="1" name=""/>
+        <p:cNvGrpSpPr/>
+        <p:nvPr/>
+      </p:nvGrpSpPr>
+      <p:grpSpPr>
+        <a:xfrm>
+          <a:off x="0" y="0"/>
+          <a:ext cx="0" cy="0"/>
+          <a:chOff x="0" y="0"/>
+          <a:chExt cx="0" cy="0"/>
+        </a:xfrm>
+      </p:grpSpPr>
+      <p:sp>
+        <p:nvSpPr>
+          <p:cNvPr id="4" name="Rectangle 3"/>
+          <p:cNvSpPr/>
+          <p:nvPr/>
+        </p:nvSpPr>
+        <p:spPr>
+          <a:xfrm>
+            <a:off x="232142" y="1146983"/>
+            <a:ext cx="8698492" cy="4424075"/>
+          </a:xfrm>
+          <a:prstGeom prst="rect">
+            <a:avLst/>
+          </a:prstGeom>
+          <a:solidFill>
+            <a:srgbClr val="00006B"/>
+          </a:solidFill>
+          <a:ln>
+            <a:noFill/>
+          </a:ln>
+          <a:effectLst/>
+        </p:spPr>
+        <p:style>
+          <a:lnRef idx="1">
+            <a:schemeClr val="accent1"/>
+          </a:lnRef>
+          <a:fillRef idx="3">
+            <a:schemeClr val="accent1"/>
+          </a:fillRef>
+          <a:effectRef idx="2">
+            <a:schemeClr val="accent1"/>
+          </a:effectRef>
+          <a:fontRef idx="minor">
+            <a:schemeClr val="lt1"/>
+          </a:fontRef>
+        </p:style>
+        <p:txBody>
+          <a:bodyPr rtlCol="0" anchor="ctr"/>
+          <a:lstStyle/>
+          <a:p>
+            <a:pPr algn="ctr"/>
+            <a:r>
+              <a:rPr lang="en-US" sz="11500" b="1" dirty="0" smtClean="0">
+                <a:latin typeface="Arial"/>
+                <a:cs typeface="Arial"/>
+              </a:rPr>
+              <a:t>STUDENT</a:t>
+            </a:r>
+          </a:p>
+          <a:p>
+            <a:pPr algn="ctr"/>
+            <a:r>
+              <a:rPr lang="en-US" sz="11500" b="1" dirty="0" smtClean="0">
+                <a:latin typeface="Arial"/>
+                <a:cs typeface="Arial"/>
+              </a:rPr>
+              <a:t>AREA</a:t>
+            </a:r>
+            <a:endParaRPr lang="en-US" sz="11500" b="1" dirty="0">
+              <a:latin typeface="Arial"/>
+              <a:cs typeface="Arial"/>
+            </a:endParaRPr>
+          </a:p>
+        </p:txBody>
+      </p:sp>
+    </p:spTree>
+    <p:extLst>
+      <p:ext uri="{BB962C8B-B14F-4D97-AF65-F5344CB8AC3E}">
+        <p14:creationId xmlns:p14="http://schemas.microsoft.com/office/powerpoint/2010/main" val="17777951"/>
+      </p:ext>
+    </p:extLst>
+  </p:cSld>
+  <p:clrMapOvr>
+    <a:masterClrMapping/>
+  </p:clrMapOvr>
+</p:sld>
+</file>
+
+<file path=ppt/slides/slide12.xml><?xml version="1.0" encoding="utf-8"?>
+<p:sld xmlns:a="http://schemas.openxmlformats.org/drawingml/2006/main" xmlns:r="http://schemas.openxmlformats.org/officeDocument/2006/relationships" xmlns:p="http://schemas.openxmlformats.org/presentationml/2006/main">
+  <p:cSld>
+    <p:spTree>
+      <p:nvGrpSpPr>
+        <p:cNvPr id="1" name=""/>
+        <p:cNvGrpSpPr/>
+        <p:nvPr/>
+      </p:nvGrpSpPr>
+      <p:grpSpPr>
+        <a:xfrm>
+          <a:off x="0" y="0"/>
+          <a:ext cx="0" cy="0"/>
+          <a:chOff x="0" y="0"/>
+          <a:chExt cx="0" cy="0"/>
+        </a:xfrm>
+      </p:grpSpPr>
+      <p:sp>
+        <p:nvSpPr>
+          <p:cNvPr id="4" name="Rectangle 3"/>
+          <p:cNvSpPr/>
+          <p:nvPr/>
+        </p:nvSpPr>
+        <p:spPr>
+          <a:xfrm>
+            <a:off x="232142" y="1146983"/>
+            <a:ext cx="8698492" cy="4424075"/>
+          </a:xfrm>
+          <a:prstGeom prst="rect">
+            <a:avLst/>
+          </a:prstGeom>
+          <a:solidFill>
+            <a:srgbClr val="00006B"/>
+          </a:solidFill>
+          <a:ln>
+            <a:noFill/>
+          </a:ln>
+          <a:effectLst/>
+        </p:spPr>
+        <p:style>
+          <a:lnRef idx="1">
+            <a:schemeClr val="accent1"/>
+          </a:lnRef>
+          <a:fillRef idx="3">
+            <a:schemeClr val="accent1"/>
+          </a:fillRef>
+          <a:effectRef idx="2">
+            <a:schemeClr val="accent1"/>
+          </a:effectRef>
+          <a:fontRef idx="minor">
+            <a:schemeClr val="lt1"/>
+          </a:fontRef>
+        </p:style>
+        <p:txBody>
+          <a:bodyPr rtlCol="0" anchor="ctr"/>
+          <a:lstStyle/>
+          <a:p>
+            <a:pPr algn="ctr"/>
+            <a:r>
+              <a:rPr lang="en-US" sz="11500" b="1" dirty="0" smtClean="0">
+                <a:latin typeface="Arial"/>
+                <a:cs typeface="Arial"/>
+              </a:rPr>
+              <a:t>SEMINAR</a:t>
+            </a:r>
+          </a:p>
+          <a:p>
+            <a:pPr algn="ctr"/>
+            <a:r>
+              <a:rPr lang="en-US" sz="11500" b="1" dirty="0" smtClean="0">
+                <a:latin typeface="Arial"/>
+                <a:cs typeface="Arial"/>
+              </a:rPr>
+              <a:t>ONE</a:t>
+            </a:r>
+            <a:endParaRPr lang="en-US" sz="11500" b="1" dirty="0">
+              <a:latin typeface="Arial"/>
+              <a:cs typeface="Arial"/>
+            </a:endParaRPr>
+          </a:p>
+        </p:txBody>
+      </p:sp>
+    </p:spTree>
+    <p:extLst>
+      <p:ext uri="{BB962C8B-B14F-4D97-AF65-F5344CB8AC3E}">
+        <p14:creationId xmlns:p14="http://schemas.microsoft.com/office/powerpoint/2010/main" val="17777951"/>
+      </p:ext>
+    </p:extLst>
+  </p:cSld>
+  <p:clrMapOvr>
+    <a:masterClrMapping/>
+  </p:clrMapOvr>
+</p:sld>
+</file>
+
+<file path=ppt/slides/slide13.xml><?xml version="1.0" encoding="utf-8"?>
+<p:sld xmlns:a="http://schemas.openxmlformats.org/drawingml/2006/main" xmlns:r="http://schemas.openxmlformats.org/officeDocument/2006/relationships" xmlns:p="http://schemas.openxmlformats.org/presentationml/2006/main">
+  <p:cSld>
+    <p:spTree>
+      <p:nvGrpSpPr>
+        <p:cNvPr id="1" name=""/>
+        <p:cNvGrpSpPr/>
+        <p:nvPr/>
+      </p:nvGrpSpPr>
+      <p:grpSpPr>
+        <a:xfrm>
+          <a:off x="0" y="0"/>
+          <a:ext cx="0" cy="0"/>
+          <a:chOff x="0" y="0"/>
+          <a:chExt cx="0" cy="0"/>
+        </a:xfrm>
+      </p:grpSpPr>
+      <p:sp>
+        <p:nvSpPr>
+          <p:cNvPr id="4" name="Rectangle 3"/>
+          <p:cNvSpPr/>
+          <p:nvPr/>
+        </p:nvSpPr>
+        <p:spPr>
+          <a:xfrm>
+            <a:off x="232142" y="1146983"/>
+            <a:ext cx="8698492" cy="4424075"/>
+          </a:xfrm>
+          <a:prstGeom prst="rect">
+            <a:avLst/>
+          </a:prstGeom>
+          <a:solidFill>
+            <a:srgbClr val="00006B"/>
+          </a:solidFill>
+          <a:ln>
+            <a:noFill/>
+          </a:ln>
+          <a:effectLst/>
+        </p:spPr>
+        <p:style>
+          <a:lnRef idx="1">
+            <a:schemeClr val="accent1"/>
+          </a:lnRef>
+          <a:fillRef idx="3">
+            <a:schemeClr val="accent1"/>
+          </a:fillRef>
+          <a:effectRef idx="2">
+            <a:schemeClr val="accent1"/>
+          </a:effectRef>
+          <a:fontRef idx="minor">
+            <a:schemeClr val="lt1"/>
+          </a:fontRef>
+        </p:style>
+        <p:txBody>
+          <a:bodyPr rtlCol="0" anchor="ctr"/>
+          <a:lstStyle/>
+          <a:p>
+            <a:pPr algn="ctr"/>
+            <a:r>
+              <a:rPr lang="en-US" sz="11500" b="1" dirty="0" smtClean="0">
+                <a:latin typeface="Arial"/>
+                <a:cs typeface="Arial"/>
+              </a:rPr>
+              <a:t>P ONE</a:t>
+            </a:r>
+          </a:p>
+          <a:p>
+            <a:pPr algn="ctr"/>
+            <a:r>
+              <a:rPr lang="en-US" sz="11500" b="1" dirty="0" smtClean="0">
+                <a:latin typeface="Arial"/>
+                <a:cs typeface="Arial"/>
+              </a:rPr>
+              <a:t>FOUR</a:t>
+            </a:r>
+            <a:endParaRPr lang="en-US" sz="11500" b="1" dirty="0">
+              <a:latin typeface="Arial"/>
+              <a:cs typeface="Arial"/>
+            </a:endParaRPr>
+          </a:p>
+        </p:txBody>
+      </p:sp>
+    </p:spTree>
+    <p:extLst>
+      <p:ext uri="{BB962C8B-B14F-4D97-AF65-F5344CB8AC3E}">
+        <p14:creationId xmlns:p14="http://schemas.microsoft.com/office/powerpoint/2010/main" val="2589607474"/>
+      </p:ext>
+    </p:extLst>
+  </p:cSld>
+  <p:clrMapOvr>
+    <a:masterClrMapping/>
+  </p:clrMapOvr>
+</p:sld>
+</file>
+
+<file path=ppt/slides/slide14.xml><?xml version="1.0" encoding="utf-8"?>
+<p:sld xmlns:a="http://schemas.openxmlformats.org/drawingml/2006/main" xmlns:r="http://schemas.openxmlformats.org/officeDocument/2006/relationships" xmlns:p="http://schemas.openxmlformats.org/presentationml/2006/main">
+  <p:cSld>
+    <p:spTree>
+      <p:nvGrpSpPr>
+        <p:cNvPr id="1" name=""/>
+        <p:cNvGrpSpPr/>
+        <p:nvPr/>
+      </p:nvGrpSpPr>
+      <p:grpSpPr>
+        <a:xfrm>
+          <a:off x="0" y="0"/>
+          <a:ext cx="0" cy="0"/>
+          <a:chOff x="0" y="0"/>
+          <a:chExt cx="0" cy="0"/>
+        </a:xfrm>
+      </p:grpSpPr>
+      <p:sp>
+        <p:nvSpPr>
+          <p:cNvPr id="4" name="Rectangle 3"/>
+          <p:cNvSpPr/>
+          <p:nvPr/>
+        </p:nvSpPr>
+        <p:spPr>
+          <a:xfrm>
+            <a:off x="232142" y="1146983"/>
+            <a:ext cx="8698492" cy="4424075"/>
+          </a:xfrm>
+          <a:prstGeom prst="rect">
+            <a:avLst/>
+          </a:prstGeom>
+          <a:solidFill>
+            <a:srgbClr val="00006B"/>
+          </a:solidFill>
+          <a:ln>
+            <a:noFill/>
+          </a:ln>
+          <a:effectLst/>
+        </p:spPr>
+        <p:style>
+          <a:lnRef idx="1">
+            <a:schemeClr val="accent1"/>
+          </a:lnRef>
+          <a:fillRef idx="3">
+            <a:schemeClr val="accent1"/>
+          </a:fillRef>
+          <a:effectRef idx="2">
+            <a:schemeClr val="accent1"/>
+          </a:effectRef>
+          <a:fontRef idx="minor">
+            <a:schemeClr val="lt1"/>
+          </a:fontRef>
+        </p:style>
+        <p:txBody>
+          <a:bodyPr rtlCol="0" anchor="ctr"/>
+          <a:lstStyle/>
+          <a:p>
+            <a:pPr algn="ctr"/>
+            <a:r>
+              <a:rPr lang="en-US" sz="11500" b="1" dirty="0" smtClean="0">
+                <a:latin typeface="Arial"/>
+                <a:cs typeface="Arial"/>
+              </a:rPr>
+              <a:t>P ONE</a:t>
+            </a:r>
+          </a:p>
+          <a:p>
+            <a:pPr algn="ctr"/>
+            <a:r>
+              <a:rPr lang="en-US" sz="11500" b="1" dirty="0" smtClean="0">
+                <a:latin typeface="Arial"/>
+                <a:cs typeface="Arial"/>
+              </a:rPr>
+              <a:t>FIVE</a:t>
+            </a:r>
+            <a:endParaRPr lang="en-US" sz="11500" b="1" dirty="0">
+              <a:latin typeface="Arial"/>
+              <a:cs typeface="Arial"/>
+            </a:endParaRPr>
+          </a:p>
+        </p:txBody>
+      </p:sp>
+    </p:spTree>
+    <p:extLst>
+      <p:ext uri="{BB962C8B-B14F-4D97-AF65-F5344CB8AC3E}">
+        <p14:creationId xmlns:p14="http://schemas.microsoft.com/office/powerpoint/2010/main" val="3093743726"/>
+      </p:ext>
+    </p:extLst>
+  </p:cSld>
+  <p:clrMapOvr>
+    <a:masterClrMapping/>
+  </p:clrMapOvr>
+</p:sld>
+</file>
+
+<file path=ppt/slides/slide15.xml><?xml version="1.0" encoding="utf-8"?>
+<p:sld xmlns:a="http://schemas.openxmlformats.org/drawingml/2006/main" xmlns:r="http://schemas.openxmlformats.org/officeDocument/2006/relationships" xmlns:p="http://schemas.openxmlformats.org/presentationml/2006/main">
+  <p:cSld>
+    <p:spTree>
+      <p:nvGrpSpPr>
+        <p:cNvPr id="1" name=""/>
+        <p:cNvGrpSpPr/>
+        <p:nvPr/>
+      </p:nvGrpSpPr>
+      <p:grpSpPr>
+        <a:xfrm>
+          <a:off x="0" y="0"/>
+          <a:ext cx="0" cy="0"/>
+          <a:chOff x="0" y="0"/>
+          <a:chExt cx="0" cy="0"/>
+        </a:xfrm>
+      </p:grpSpPr>
+      <p:sp>
+        <p:nvSpPr>
+          <p:cNvPr id="4" name="Rectangle 3"/>
+          <p:cNvSpPr/>
+          <p:nvPr/>
+        </p:nvSpPr>
+        <p:spPr>
+          <a:xfrm>
+            <a:off x="232142" y="1146983"/>
+            <a:ext cx="8698492" cy="4424075"/>
+          </a:xfrm>
+          <a:prstGeom prst="rect">
+            <a:avLst/>
+          </a:prstGeom>
+          <a:solidFill>
+            <a:srgbClr val="00006B"/>
+          </a:solidFill>
+          <a:ln>
+            <a:noFill/>
+          </a:ln>
+          <a:effectLst/>
+        </p:spPr>
+        <p:style>
+          <a:lnRef idx="1">
+            <a:schemeClr val="accent1"/>
+          </a:lnRef>
+          <a:fillRef idx="3">
+            <a:schemeClr val="accent1"/>
+          </a:fillRef>
+          <a:effectRef idx="2">
+            <a:schemeClr val="accent1"/>
+          </a:effectRef>
+          <a:fontRef idx="minor">
+            <a:schemeClr val="lt1"/>
+          </a:fontRef>
+        </p:style>
+        <p:txBody>
+          <a:bodyPr rtlCol="0" anchor="ctr"/>
+          <a:lstStyle/>
+          <a:p>
+            <a:pPr algn="ctr"/>
+            <a:r>
+              <a:rPr lang="en-US" sz="11500" b="1" dirty="0" smtClean="0">
+                <a:latin typeface="Arial"/>
+                <a:cs typeface="Arial"/>
+              </a:rPr>
+              <a:t>P ONE</a:t>
+            </a:r>
+          </a:p>
+          <a:p>
+            <a:pPr algn="ctr"/>
+            <a:r>
+              <a:rPr lang="en-US" sz="11500" b="1" dirty="0" smtClean="0">
+                <a:latin typeface="Arial"/>
+                <a:cs typeface="Arial"/>
+              </a:rPr>
+              <a:t>SIX</a:t>
+            </a:r>
+            <a:endParaRPr lang="en-US" sz="11500" b="1" dirty="0">
+              <a:latin typeface="Arial"/>
+              <a:cs typeface="Arial"/>
+            </a:endParaRPr>
+          </a:p>
+        </p:txBody>
+      </p:sp>
+    </p:spTree>
+    <p:extLst>
+      <p:ext uri="{BB962C8B-B14F-4D97-AF65-F5344CB8AC3E}">
+        <p14:creationId xmlns:p14="http://schemas.microsoft.com/office/powerpoint/2010/main" val="1941771453"/>
+      </p:ext>
+    </p:extLst>
+  </p:cSld>
+  <p:clrMapOvr>
+    <a:masterClrMapping/>
+  </p:clrMapOvr>
+</p:sld>
+</file>
+
+<file path=ppt/slides/slide16.xml><?xml version="1.0" encoding="utf-8"?>
+<p:sld xmlns:a="http://schemas.openxmlformats.org/drawingml/2006/main" xmlns:r="http://schemas.openxmlformats.org/officeDocument/2006/relationships" xmlns:p="http://schemas.openxmlformats.org/presentationml/2006/main">
+  <p:cSld>
+    <p:spTree>
+      <p:nvGrpSpPr>
+        <p:cNvPr id="1" name=""/>
+        <p:cNvGrpSpPr/>
+        <p:nvPr/>
+      </p:nvGrpSpPr>
+      <p:grpSpPr>
+        <a:xfrm>
+          <a:off x="0" y="0"/>
+          <a:ext cx="0" cy="0"/>
+          <a:chOff x="0" y="0"/>
+          <a:chExt cx="0" cy="0"/>
+        </a:xfrm>
+      </p:grpSpPr>
+      <p:sp>
+        <p:nvSpPr>
+          <p:cNvPr id="4" name="Rectangle 3"/>
+          <p:cNvSpPr/>
+          <p:nvPr/>
+        </p:nvSpPr>
+        <p:spPr>
+          <a:xfrm>
+            <a:off x="232142" y="1146983"/>
+            <a:ext cx="8698492" cy="4424075"/>
+          </a:xfrm>
+          <a:prstGeom prst="rect">
+            <a:avLst/>
+          </a:prstGeom>
+          <a:solidFill>
+            <a:srgbClr val="00006B"/>
+          </a:solidFill>
+          <a:ln>
+            <a:noFill/>
+          </a:ln>
+          <a:effectLst/>
+        </p:spPr>
+        <p:style>
+          <a:lnRef idx="1">
+            <a:schemeClr val="accent1"/>
+          </a:lnRef>
+          <a:fillRef idx="3">
+            <a:schemeClr val="accent1"/>
+          </a:fillRef>
+          <a:effectRef idx="2">
+            <a:schemeClr val="accent1"/>
+          </a:effectRef>
+          <a:fontRef idx="minor">
+            <a:schemeClr val="lt1"/>
+          </a:fontRef>
+        </p:style>
+        <p:txBody>
+          <a:bodyPr rtlCol="0" anchor="ctr"/>
+          <a:lstStyle/>
+          <a:p>
+            <a:pPr algn="ctr"/>
+            <a:r>
+              <a:rPr lang="en-US" sz="11500" b="1" dirty="0" smtClean="0">
+                <a:latin typeface="Arial"/>
+                <a:cs typeface="Arial"/>
+              </a:rPr>
+              <a:t>P ONE</a:t>
+            </a:r>
+          </a:p>
+          <a:p>
+            <a:pPr algn="ctr"/>
+            <a:r>
+              <a:rPr lang="en-US" sz="11500" b="1" dirty="0" smtClean="0">
+                <a:latin typeface="Arial"/>
+                <a:cs typeface="Arial"/>
+              </a:rPr>
+              <a:t>SEVEN</a:t>
+            </a:r>
+            <a:endParaRPr lang="en-US" sz="11500" b="1" dirty="0">
+              <a:latin typeface="Arial"/>
+              <a:cs typeface="Arial"/>
+            </a:endParaRPr>
+          </a:p>
+        </p:txBody>
+      </p:sp>
+    </p:spTree>
+    <p:extLst>
+      <p:ext uri="{BB962C8B-B14F-4D97-AF65-F5344CB8AC3E}">
+        <p14:creationId xmlns:p14="http://schemas.microsoft.com/office/powerpoint/2010/main" val="1941771453"/>
+      </p:ext>
+    </p:extLst>
+  </p:cSld>
+  <p:clrMapOvr>
+    <a:masterClrMapping/>
+  </p:clrMapOvr>
+</p:sld>
+</file>
+
+<file path=ppt/slides/slide17.xml><?xml version="1.0" encoding="utf-8"?>
+<p:sld xmlns:a="http://schemas.openxmlformats.org/drawingml/2006/main" xmlns:r="http://schemas.openxmlformats.org/officeDocument/2006/relationships" xmlns:p="http://schemas.openxmlformats.org/presentationml/2006/main">
+  <p:cSld>
+    <p:spTree>
+      <p:nvGrpSpPr>
+        <p:cNvPr id="1" name=""/>
+        <p:cNvGrpSpPr/>
+        <p:nvPr/>
+      </p:nvGrpSpPr>
+      <p:grpSpPr>
+        <a:xfrm>
+          <a:off x="0" y="0"/>
+          <a:ext cx="0" cy="0"/>
+          <a:chOff x="0" y="0"/>
+          <a:chExt cx="0" cy="0"/>
+        </a:xfrm>
+      </p:grpSpPr>
+      <p:sp>
+        <p:nvSpPr>
+          <p:cNvPr id="4" name="Rectangle 3"/>
+          <p:cNvSpPr/>
+          <p:nvPr/>
+        </p:nvSpPr>
+        <p:spPr>
+          <a:xfrm>
+            <a:off x="232142" y="1146983"/>
+            <a:ext cx="8698492" cy="4424075"/>
+          </a:xfrm>
+          <a:prstGeom prst="rect">
+            <a:avLst/>
+          </a:prstGeom>
+          <a:solidFill>
+            <a:srgbClr val="00006B"/>
+          </a:solidFill>
+          <a:ln>
+            <a:noFill/>
+          </a:ln>
+          <a:effectLst/>
+        </p:spPr>
+        <p:style>
+          <a:lnRef idx="1">
+            <a:schemeClr val="accent1"/>
+          </a:lnRef>
+          <a:fillRef idx="3">
+            <a:schemeClr val="accent1"/>
+          </a:fillRef>
+          <a:effectRef idx="2">
+            <a:schemeClr val="accent1"/>
+          </a:effectRef>
+          <a:fontRef idx="minor">
+            <a:schemeClr val="lt1"/>
+          </a:fontRef>
+        </p:style>
+        <p:txBody>
+          <a:bodyPr rtlCol="0" anchor="ctr"/>
+          <a:lstStyle/>
+          <a:p>
+            <a:pPr algn="ctr"/>
+            <a:r>
+              <a:rPr lang="en-US" sz="11500" b="1" dirty="0" smtClean="0">
+                <a:latin typeface="Arial"/>
+                <a:cs typeface="Arial"/>
+              </a:rPr>
+              <a:t>P ONE</a:t>
+            </a:r>
+          </a:p>
+          <a:p>
+            <a:pPr algn="ctr"/>
+            <a:r>
+              <a:rPr lang="en-US" sz="11500" b="1" dirty="0" smtClean="0">
+                <a:latin typeface="Arial"/>
+                <a:cs typeface="Arial"/>
+              </a:rPr>
+              <a:t>EIGHT</a:t>
+            </a:r>
+            <a:endParaRPr lang="en-US" sz="11500" b="1" dirty="0">
+              <a:latin typeface="Arial"/>
+              <a:cs typeface="Arial"/>
+            </a:endParaRPr>
+          </a:p>
+        </p:txBody>
+      </p:sp>
+    </p:spTree>
+    <p:extLst>
+      <p:ext uri="{BB962C8B-B14F-4D97-AF65-F5344CB8AC3E}">
+        <p14:creationId xmlns:p14="http://schemas.microsoft.com/office/powerpoint/2010/main" val="597020270"/>
+      </p:ext>
+    </p:extLst>
+  </p:cSld>
+  <p:clrMapOvr>
+    <a:masterClrMapping/>
+  </p:clrMapOvr>
+</p:sld>
+</file>
+
+<file path=ppt/slides/slide18.xml><?xml version="1.0" encoding="utf-8"?>
+<p:sld xmlns:a="http://schemas.openxmlformats.org/drawingml/2006/main" xmlns:r="http://schemas.openxmlformats.org/officeDocument/2006/relationships" xmlns:p="http://schemas.openxmlformats.org/presentationml/2006/main">
+  <p:cSld>
+    <p:spTree>
+      <p:nvGrpSpPr>
+        <p:cNvPr id="1" name=""/>
+        <p:cNvGrpSpPr/>
+        <p:nvPr/>
+      </p:nvGrpSpPr>
+      <p:grpSpPr>
+        <a:xfrm>
+          <a:off x="0" y="0"/>
+          <a:ext cx="0" cy="0"/>
+          <a:chOff x="0" y="0"/>
+          <a:chExt cx="0" cy="0"/>
+        </a:xfrm>
+      </p:grpSpPr>
+      <p:sp>
+        <p:nvSpPr>
+          <p:cNvPr id="4" name="Rectangle 3"/>
+          <p:cNvSpPr/>
+          <p:nvPr/>
+        </p:nvSpPr>
+        <p:spPr>
+          <a:xfrm>
+            <a:off x="232142" y="1146983"/>
+            <a:ext cx="8698492" cy="4424075"/>
+          </a:xfrm>
+          <a:prstGeom prst="rect">
+            <a:avLst/>
+          </a:prstGeom>
+          <a:solidFill>
+            <a:srgbClr val="00006B"/>
+          </a:solidFill>
+          <a:ln>
+            <a:noFill/>
+          </a:ln>
+          <a:effectLst/>
+        </p:spPr>
+        <p:style>
+          <a:lnRef idx="1">
+            <a:schemeClr val="accent1"/>
+          </a:lnRef>
+          <a:fillRef idx="3">
+            <a:schemeClr val="accent1"/>
+          </a:fillRef>
+          <a:effectRef idx="2">
+            <a:schemeClr val="accent1"/>
+          </a:effectRef>
+          <a:fontRef idx="minor">
+            <a:schemeClr val="lt1"/>
+          </a:fontRef>
+        </p:style>
+        <p:txBody>
+          <a:bodyPr rtlCol="0" anchor="ctr"/>
+          <a:lstStyle/>
+          <a:p>
+            <a:pPr algn="ctr"/>
+            <a:r>
+              <a:rPr lang="en-US" sz="11500" b="1" dirty="0" smtClean="0">
+                <a:latin typeface="Arial"/>
+                <a:cs typeface="Arial"/>
+              </a:rPr>
+              <a:t>EXEC</a:t>
+            </a:r>
+          </a:p>
+          <a:p>
+            <a:pPr algn="ctr"/>
+            <a:r>
+              <a:rPr lang="en-US" sz="11500" b="1" dirty="0" smtClean="0">
+                <a:latin typeface="Arial"/>
+                <a:cs typeface="Arial"/>
+              </a:rPr>
+              <a:t>CLASS</a:t>
+            </a:r>
+            <a:endParaRPr lang="en-US" sz="11500" b="1" dirty="0" smtClean="0">
+              <a:latin typeface="Arial"/>
+              <a:cs typeface="Arial"/>
+            </a:endParaRPr>
+          </a:p>
+        </p:txBody>
+      </p:sp>
+    </p:spTree>
+    <p:extLst>
+      <p:ext uri="{BB962C8B-B14F-4D97-AF65-F5344CB8AC3E}">
+        <p14:creationId xmlns:p14="http://schemas.microsoft.com/office/powerpoint/2010/main" val="3618589867"/>
+      </p:ext>
+    </p:extLst>
+  </p:cSld>
+  <p:clrMapOvr>
+    <a:masterClrMapping/>
+  </p:clrMapOvr>
+</p:sld>
+</file>
+
+<file path=ppt/slides/slide19.xml><?xml version="1.0" encoding="utf-8"?>
+<p:sld xmlns:a="http://schemas.openxmlformats.org/drawingml/2006/main" xmlns:r="http://schemas.openxmlformats.org/officeDocument/2006/relationships" xmlns:p="http://schemas.openxmlformats.org/presentationml/2006/main">
+  <p:cSld>
+    <p:spTree>
+      <p:nvGrpSpPr>
+        <p:cNvPr id="1" name=""/>
+        <p:cNvGrpSpPr/>
+        <p:nvPr/>
+      </p:nvGrpSpPr>
+      <p:grpSpPr>
+        <a:xfrm>
+          <a:off x="0" y="0"/>
+          <a:ext cx="0" cy="0"/>
+          <a:chOff x="0" y="0"/>
+          <a:chExt cx="0" cy="0"/>
+        </a:xfrm>
+      </p:grpSpPr>
+      <p:sp>
+        <p:nvSpPr>
+          <p:cNvPr id="4" name="Rectangle 3"/>
+          <p:cNvSpPr/>
+          <p:nvPr/>
+        </p:nvSpPr>
+        <p:spPr>
+          <a:xfrm>
+            <a:off x="232142" y="1146983"/>
+            <a:ext cx="8698492" cy="4424075"/>
+          </a:xfrm>
+          <a:prstGeom prst="rect">
+            <a:avLst/>
+          </a:prstGeom>
+          <a:solidFill>
+            <a:srgbClr val="00006B"/>
+          </a:solidFill>
+          <a:ln>
+            <a:noFill/>
+          </a:ln>
+          <a:effectLst/>
+        </p:spPr>
+        <p:style>
+          <a:lnRef idx="1">
+            <a:schemeClr val="accent1"/>
+          </a:lnRef>
+          <a:fillRef idx="3">
+            <a:schemeClr val="accent1"/>
+          </a:fillRef>
+          <a:effectRef idx="2">
+            <a:schemeClr val="accent1"/>
+          </a:effectRef>
+          <a:fontRef idx="minor">
+            <a:schemeClr val="lt1"/>
+          </a:fontRef>
+        </p:style>
+        <p:txBody>
+          <a:bodyPr rtlCol="0" anchor="ctr"/>
+          <a:lstStyle/>
+          <a:p>
+            <a:pPr algn="ctr"/>
+            <a:r>
+              <a:rPr lang="en-US" sz="11500" b="1" dirty="0" smtClean="0">
+                <a:latin typeface="Arial"/>
+                <a:cs typeface="Arial"/>
+              </a:rPr>
+              <a:t>TUT ONE</a:t>
+            </a:r>
+          </a:p>
+          <a:p>
+            <a:pPr algn="ctr"/>
+            <a:r>
+              <a:rPr lang="en-US" sz="11500" b="1" dirty="0" smtClean="0">
+                <a:latin typeface="Arial"/>
+                <a:cs typeface="Arial"/>
+              </a:rPr>
+              <a:t>ONE</a:t>
+            </a:r>
+            <a:endParaRPr lang="en-US" sz="11500" b="1" dirty="0" smtClean="0">
+              <a:latin typeface="Arial"/>
+              <a:cs typeface="Arial"/>
+            </a:endParaRPr>
+          </a:p>
+        </p:txBody>
+      </p:sp>
+    </p:spTree>
+    <p:extLst>
+      <p:ext uri="{BB962C8B-B14F-4D97-AF65-F5344CB8AC3E}">
+        <p14:creationId xmlns:p14="http://schemas.microsoft.com/office/powerpoint/2010/main" val="580925759"/>
+      </p:ext>
+    </p:extLst>
+  </p:cSld>
+  <p:clrMapOvr>
+    <a:masterClrMapping/>
+  </p:clrMapOvr>
+</p:sld>
+</file>
+
+<file path=ppt/slides/slide2.xml><?xml version="1.0" encoding="utf-8"?>
+<p:sld xmlns:a="http://schemas.openxmlformats.org/drawingml/2006/main" xmlns:r="http://schemas.openxmlformats.org/officeDocument/2006/relationships" xmlns:p="http://schemas.openxmlformats.org/presentationml/2006/main">
+  <p:cSld>
+    <p:spTree>
+      <p:nvGrpSpPr>
+        <p:cNvPr id="1" name=""/>
+        <p:cNvGrpSpPr/>
+        <p:nvPr/>
+      </p:nvGrpSpPr>
+      <p:grpSpPr>
+        <a:xfrm>
+          <a:off x="0" y="0"/>
+          <a:ext cx="0" cy="0"/>
+          <a:chOff x="0" y="0"/>
+          <a:chExt cx="0" cy="0"/>
+        </a:xfrm>
+      </p:grpSpPr>
+      <p:sp>
+        <p:nvSpPr>
+          <p:cNvPr id="4" name="Rectangle 3"/>
+          <p:cNvSpPr/>
+          <p:nvPr/>
+        </p:nvSpPr>
+        <p:spPr>
+          <a:xfrm>
+            <a:off x="232142" y="1146983"/>
+            <a:ext cx="8698492" cy="4424075"/>
+          </a:xfrm>
+          <a:prstGeom prst="rect">
+            <a:avLst/>
+          </a:prstGeom>
+          <a:solidFill>
+            <a:srgbClr val="00006B"/>
+          </a:solidFill>
+          <a:ln>
+            <a:noFill/>
+          </a:ln>
+          <a:effectLst/>
+        </p:spPr>
+        <p:style>
+          <a:lnRef idx="1">
+            <a:schemeClr val="accent1"/>
+          </a:lnRef>
+          <a:fillRef idx="3">
+            <a:schemeClr val="accent1"/>
+          </a:fillRef>
+          <a:effectRef idx="2">
+            <a:schemeClr val="accent1"/>
+          </a:effectRef>
+          <a:fontRef idx="minor">
+            <a:schemeClr val="lt1"/>
+          </a:fontRef>
+        </p:style>
+        <p:txBody>
+          <a:bodyPr rtlCol="0" anchor="ctr"/>
+          <a:lstStyle/>
+          <a:p>
+            <a:pPr algn="ctr"/>
+            <a:r>
+              <a:rPr lang="en-US" sz="11500" b="1" dirty="0" smtClean="0">
+                <a:latin typeface="Arial"/>
+                <a:cs typeface="Arial"/>
+              </a:rPr>
+              <a:t>P TWO</a:t>
+            </a:r>
+            <a:endParaRPr lang="en-US" sz="11500" b="1" dirty="0">
+              <a:latin typeface="Arial"/>
+              <a:cs typeface="Arial"/>
+            </a:endParaRPr>
+          </a:p>
+        </p:txBody>
+      </p:sp>
+    </p:spTree>
+    <p:extLst>
+      <p:ext uri="{BB962C8B-B14F-4D97-AF65-F5344CB8AC3E}">
+        <p14:creationId xmlns:p14="http://schemas.microsoft.com/office/powerpoint/2010/main" val="3386214065"/>
+      </p:ext>
+    </p:extLst>
+  </p:cSld>
+  <p:clrMapOvr>
+    <a:masterClrMapping/>
+  </p:clrMapOvr>
+</p:sld>
+</file>
+
+<file path=ppt/slides/slide20.xml><?xml version="1.0" encoding="utf-8"?>
+<p:sld xmlns:a="http://schemas.openxmlformats.org/drawingml/2006/main" xmlns:r="http://schemas.openxmlformats.org/officeDocument/2006/relationships" xmlns:p="http://schemas.openxmlformats.org/presentationml/2006/main">
+  <p:cSld>
+    <p:spTree>
+      <p:nvGrpSpPr>
+        <p:cNvPr id="1" name=""/>
+        <p:cNvGrpSpPr/>
+        <p:nvPr/>
+      </p:nvGrpSpPr>
+      <p:grpSpPr>
+        <a:xfrm>
+          <a:off x="0" y="0"/>
+          <a:ext cx="0" cy="0"/>
+          <a:chOff x="0" y="0"/>
+          <a:chExt cx="0" cy="0"/>
+        </a:xfrm>
+      </p:grpSpPr>
+      <p:sp>
+        <p:nvSpPr>
+          <p:cNvPr id="4" name="Rectangle 3"/>
+          <p:cNvSpPr/>
+          <p:nvPr/>
+        </p:nvSpPr>
+        <p:spPr>
+          <a:xfrm>
+            <a:off x="232142" y="1146983"/>
+            <a:ext cx="8698492" cy="4424075"/>
+          </a:xfrm>
+          <a:prstGeom prst="rect">
+            <a:avLst/>
+          </a:prstGeom>
+          <a:solidFill>
+            <a:srgbClr val="00006B"/>
+          </a:solidFill>
+          <a:ln>
+            <a:noFill/>
+          </a:ln>
+          <a:effectLst/>
+        </p:spPr>
+        <p:style>
+          <a:lnRef idx="1">
+            <a:schemeClr val="accent1"/>
+          </a:lnRef>
+          <a:fillRef idx="3">
+            <a:schemeClr val="accent1"/>
+          </a:fillRef>
+          <a:effectRef idx="2">
+            <a:schemeClr val="accent1"/>
+          </a:effectRef>
+          <a:fontRef idx="minor">
+            <a:schemeClr val="lt1"/>
+          </a:fontRef>
+        </p:style>
+        <p:txBody>
+          <a:bodyPr rtlCol="0" anchor="ctr"/>
+          <a:lstStyle/>
+          <a:p>
+            <a:pPr algn="ctr"/>
+            <a:r>
+              <a:rPr lang="en-US" sz="11500" b="1" dirty="0" smtClean="0">
+                <a:latin typeface="Arial"/>
+                <a:cs typeface="Arial"/>
+              </a:rPr>
+              <a:t>P TWO</a:t>
+            </a:r>
+          </a:p>
+          <a:p>
+            <a:pPr algn="ctr"/>
+            <a:r>
+              <a:rPr lang="en-US" sz="11500" b="1" dirty="0" smtClean="0">
+                <a:latin typeface="Arial"/>
+                <a:cs typeface="Arial"/>
+              </a:rPr>
+              <a:t>ONE</a:t>
+            </a:r>
+            <a:endParaRPr lang="en-US" sz="11500" b="1" dirty="0" smtClean="0">
+              <a:latin typeface="Arial"/>
+              <a:cs typeface="Arial"/>
+            </a:endParaRPr>
+          </a:p>
+        </p:txBody>
+      </p:sp>
+    </p:spTree>
+    <p:extLst>
+      <p:ext uri="{BB962C8B-B14F-4D97-AF65-F5344CB8AC3E}">
+        <p14:creationId xmlns:p14="http://schemas.microsoft.com/office/powerpoint/2010/main" val="3030727263"/>
+      </p:ext>
+    </p:extLst>
+  </p:cSld>
+  <p:clrMapOvr>
+    <a:masterClrMapping/>
+  </p:clrMapOvr>
+</p:sld>
+</file>
+
+<file path=ppt/slides/slide21.xml><?xml version="1.0" encoding="utf-8"?>
+<p:sld xmlns:a="http://schemas.openxmlformats.org/drawingml/2006/main" xmlns:r="http://schemas.openxmlformats.org/officeDocument/2006/relationships" xmlns:p="http://schemas.openxmlformats.org/presentationml/2006/main">
+  <p:cSld>
+    <p:spTree>
+      <p:nvGrpSpPr>
+        <p:cNvPr id="1" name=""/>
+        <p:cNvGrpSpPr/>
+        <p:nvPr/>
+      </p:nvGrpSpPr>
+      <p:grpSpPr>
+        <a:xfrm>
+          <a:off x="0" y="0"/>
+          <a:ext cx="0" cy="0"/>
+          <a:chOff x="0" y="0"/>
+          <a:chExt cx="0" cy="0"/>
+        </a:xfrm>
+      </p:grpSpPr>
+      <p:sp>
+        <p:nvSpPr>
+          <p:cNvPr id="4" name="Rectangle 3"/>
+          <p:cNvSpPr/>
+          <p:nvPr/>
+        </p:nvSpPr>
+        <p:spPr>
+          <a:xfrm>
+            <a:off x="232142" y="1146983"/>
+            <a:ext cx="8698492" cy="4424075"/>
+          </a:xfrm>
+          <a:prstGeom prst="rect">
+            <a:avLst/>
+          </a:prstGeom>
+          <a:solidFill>
+            <a:srgbClr val="00006B"/>
+          </a:solidFill>
+          <a:ln>
+            <a:noFill/>
+          </a:ln>
+          <a:effectLst/>
+        </p:spPr>
+        <p:style>
+          <a:lnRef idx="1">
+            <a:schemeClr val="accent1"/>
+          </a:lnRef>
+          <a:fillRef idx="3">
+            <a:schemeClr val="accent1"/>
+          </a:fillRef>
+          <a:effectRef idx="2">
+            <a:schemeClr val="accent1"/>
+          </a:effectRef>
+          <a:fontRef idx="minor">
+            <a:schemeClr val="lt1"/>
+          </a:fontRef>
+        </p:style>
+        <p:txBody>
+          <a:bodyPr rtlCol="0" anchor="ctr"/>
+          <a:lstStyle/>
+          <a:p>
+            <a:pPr algn="ctr"/>
+            <a:r>
+              <a:rPr lang="en-US" sz="11500" b="1" dirty="0" smtClean="0">
+                <a:latin typeface="Arial"/>
+                <a:cs typeface="Arial"/>
+              </a:rPr>
+              <a:t>P TWO</a:t>
+            </a:r>
+          </a:p>
+          <a:p>
+            <a:pPr algn="ctr"/>
+            <a:r>
+              <a:rPr lang="en-US" sz="11500" b="1" dirty="0" smtClean="0">
+                <a:latin typeface="Arial"/>
+                <a:cs typeface="Arial"/>
+              </a:rPr>
+              <a:t>TWO</a:t>
+            </a:r>
+            <a:endParaRPr lang="en-US" sz="11500" b="1" dirty="0" smtClean="0">
+              <a:latin typeface="Arial"/>
+              <a:cs typeface="Arial"/>
+            </a:endParaRPr>
+          </a:p>
+        </p:txBody>
+      </p:sp>
+    </p:spTree>
+    <p:extLst>
+      <p:ext uri="{BB962C8B-B14F-4D97-AF65-F5344CB8AC3E}">
+        <p14:creationId xmlns:p14="http://schemas.microsoft.com/office/powerpoint/2010/main" val="737516222"/>
+      </p:ext>
+    </p:extLst>
+  </p:cSld>
+  <p:clrMapOvr>
+    <a:masterClrMapping/>
+  </p:clrMapOvr>
+</p:sld>
+</file>
+
+<file path=ppt/slides/slide22.xml><?xml version="1.0" encoding="utf-8"?>
+<p:sld xmlns:a="http://schemas.openxmlformats.org/drawingml/2006/main" xmlns:r="http://schemas.openxmlformats.org/officeDocument/2006/relationships" xmlns:p="http://schemas.openxmlformats.org/presentationml/2006/main">
+  <p:cSld>
+    <p:spTree>
+      <p:nvGrpSpPr>
+        <p:cNvPr id="1" name=""/>
+        <p:cNvGrpSpPr/>
+        <p:nvPr/>
+      </p:nvGrpSpPr>
+      <p:grpSpPr>
+        <a:xfrm>
+          <a:off x="0" y="0"/>
+          <a:ext cx="0" cy="0"/>
+          <a:chOff x="0" y="0"/>
+          <a:chExt cx="0" cy="0"/>
+        </a:xfrm>
+      </p:grpSpPr>
+      <p:sp>
+        <p:nvSpPr>
+          <p:cNvPr id="4" name="Rectangle 3"/>
+          <p:cNvSpPr/>
+          <p:nvPr/>
+        </p:nvSpPr>
+        <p:spPr>
+          <a:xfrm>
+            <a:off x="232142" y="1146983"/>
+            <a:ext cx="8698492" cy="4424075"/>
+          </a:xfrm>
+          <a:prstGeom prst="rect">
+            <a:avLst/>
+          </a:prstGeom>
+          <a:solidFill>
+            <a:srgbClr val="00006B"/>
+          </a:solidFill>
+          <a:ln>
+            <a:noFill/>
+          </a:ln>
+          <a:effectLst/>
+        </p:spPr>
+        <p:style>
+          <a:lnRef idx="1">
+            <a:schemeClr val="accent1"/>
+          </a:lnRef>
+          <a:fillRef idx="3">
+            <a:schemeClr val="accent1"/>
+          </a:fillRef>
+          <a:effectRef idx="2">
+            <a:schemeClr val="accent1"/>
+          </a:effectRef>
+          <a:fontRef idx="minor">
+            <a:schemeClr val="lt1"/>
+          </a:fontRef>
+        </p:style>
+        <p:txBody>
+          <a:bodyPr rtlCol="0" anchor="ctr"/>
+          <a:lstStyle/>
+          <a:p>
+            <a:pPr algn="ctr"/>
+            <a:r>
+              <a:rPr lang="en-US" sz="11500" b="1" dirty="0" smtClean="0">
+                <a:latin typeface="Arial"/>
+                <a:cs typeface="Arial"/>
+              </a:rPr>
+              <a:t>SEMINAR</a:t>
+            </a:r>
+          </a:p>
+          <a:p>
+            <a:pPr algn="ctr"/>
+            <a:r>
+              <a:rPr lang="en-US" sz="11500" b="1" dirty="0" smtClean="0">
+                <a:latin typeface="Arial"/>
+                <a:cs typeface="Arial"/>
+              </a:rPr>
+              <a:t>NINE</a:t>
+            </a:r>
+            <a:endParaRPr lang="en-US" sz="11500" b="1" dirty="0" smtClean="0">
+              <a:latin typeface="Arial"/>
+              <a:cs typeface="Arial"/>
+            </a:endParaRPr>
+          </a:p>
+        </p:txBody>
+      </p:sp>
+    </p:spTree>
+    <p:extLst>
+      <p:ext uri="{BB962C8B-B14F-4D97-AF65-F5344CB8AC3E}">
+        <p14:creationId xmlns:p14="http://schemas.microsoft.com/office/powerpoint/2010/main" val="3709120282"/>
+      </p:ext>
+    </p:extLst>
+  </p:cSld>
+  <p:clrMapOvr>
+    <a:masterClrMapping/>
+  </p:clrMapOvr>
+</p:sld>
+</file>
+
+<file path=ppt/slides/slide23.xml><?xml version="1.0" encoding="utf-8"?>
+<p:sld xmlns:a="http://schemas.openxmlformats.org/drawingml/2006/main" xmlns:r="http://schemas.openxmlformats.org/officeDocument/2006/relationships" xmlns:p="http://schemas.openxmlformats.org/presentationml/2006/main">
+  <p:cSld>
+    <p:spTree>
+      <p:nvGrpSpPr>
+        <p:cNvPr id="1" name=""/>
+        <p:cNvGrpSpPr/>
+        <p:nvPr/>
+      </p:nvGrpSpPr>
+      <p:grpSpPr>
+        <a:xfrm>
+          <a:off x="0" y="0"/>
+          <a:ext cx="0" cy="0"/>
+          <a:chOff x="0" y="0"/>
+          <a:chExt cx="0" cy="0"/>
+        </a:xfrm>
+      </p:grpSpPr>
+      <p:sp>
+        <p:nvSpPr>
+          <p:cNvPr id="4" name="Rectangle 3"/>
+          <p:cNvSpPr/>
+          <p:nvPr/>
+        </p:nvSpPr>
+        <p:spPr>
+          <a:xfrm>
+            <a:off x="232142" y="1146983"/>
+            <a:ext cx="8698492" cy="4424075"/>
+          </a:xfrm>
+          <a:prstGeom prst="rect">
+            <a:avLst/>
+          </a:prstGeom>
+          <a:solidFill>
+            <a:srgbClr val="00006B"/>
+          </a:solidFill>
+          <a:ln>
+            <a:noFill/>
+          </a:ln>
+          <a:effectLst/>
+        </p:spPr>
+        <p:style>
+          <a:lnRef idx="1">
+            <a:schemeClr val="accent1"/>
+          </a:lnRef>
+          <a:fillRef idx="3">
+            <a:schemeClr val="accent1"/>
+          </a:fillRef>
+          <a:effectRef idx="2">
+            <a:schemeClr val="accent1"/>
+          </a:effectRef>
+          <a:fontRef idx="minor">
+            <a:schemeClr val="lt1"/>
+          </a:fontRef>
+        </p:style>
+        <p:txBody>
+          <a:bodyPr rtlCol="0" anchor="ctr"/>
+          <a:lstStyle/>
+          <a:p>
+            <a:pPr algn="ctr"/>
+            <a:r>
+              <a:rPr lang="en-US" sz="11500" b="1" dirty="0" smtClean="0">
+                <a:latin typeface="Arial"/>
+                <a:cs typeface="Arial"/>
+              </a:rPr>
+              <a:t>P TWO</a:t>
+            </a:r>
+          </a:p>
+          <a:p>
+            <a:pPr algn="ctr"/>
+            <a:r>
+              <a:rPr lang="en-US" sz="11500" b="1" dirty="0" smtClean="0">
+                <a:latin typeface="Arial"/>
+                <a:cs typeface="Arial"/>
+              </a:rPr>
+              <a:t>FOUR</a:t>
+            </a:r>
+            <a:endParaRPr lang="en-US" sz="11500" b="1" dirty="0" smtClean="0">
+              <a:latin typeface="Arial"/>
+              <a:cs typeface="Arial"/>
+            </a:endParaRPr>
+          </a:p>
+        </p:txBody>
+      </p:sp>
+    </p:spTree>
+    <p:extLst>
+      <p:ext uri="{BB962C8B-B14F-4D97-AF65-F5344CB8AC3E}">
+        <p14:creationId xmlns:p14="http://schemas.microsoft.com/office/powerpoint/2010/main" val="4105999462"/>
+      </p:ext>
+    </p:extLst>
+  </p:cSld>
+  <p:clrMapOvr>
+    <a:masterClrMapping/>
+  </p:clrMapOvr>
+</p:sld>
+</file>
+
+<file path=ppt/slides/slide24.xml><?xml version="1.0" encoding="utf-8"?>
+<p:sld xmlns:a="http://schemas.openxmlformats.org/drawingml/2006/main" xmlns:r="http://schemas.openxmlformats.org/officeDocument/2006/relationships" xmlns:p="http://schemas.openxmlformats.org/presentationml/2006/main">
+  <p:cSld>
+    <p:spTree>
+      <p:nvGrpSpPr>
+        <p:cNvPr id="1" name=""/>
+        <p:cNvGrpSpPr/>
+        <p:nvPr/>
+      </p:nvGrpSpPr>
+      <p:grpSpPr>
+        <a:xfrm>
+          <a:off x="0" y="0"/>
+          <a:ext cx="0" cy="0"/>
+          <a:chOff x="0" y="0"/>
+          <a:chExt cx="0" cy="0"/>
+        </a:xfrm>
+      </p:grpSpPr>
+      <p:sp>
+        <p:nvSpPr>
+          <p:cNvPr id="4" name="Rectangle 3"/>
+          <p:cNvSpPr/>
+          <p:nvPr/>
+        </p:nvSpPr>
+        <p:spPr>
+          <a:xfrm>
+            <a:off x="232142" y="1146983"/>
+            <a:ext cx="8698492" cy="4424075"/>
+          </a:xfrm>
+          <a:prstGeom prst="rect">
+            <a:avLst/>
+          </a:prstGeom>
+          <a:solidFill>
+            <a:srgbClr val="00006B"/>
+          </a:solidFill>
+          <a:ln>
+            <a:noFill/>
+          </a:ln>
+          <a:effectLst/>
+        </p:spPr>
+        <p:style>
+          <a:lnRef idx="1">
+            <a:schemeClr val="accent1"/>
+          </a:lnRef>
+          <a:fillRef idx="3">
+            <a:schemeClr val="accent1"/>
+          </a:fillRef>
+          <a:effectRef idx="2">
+            <a:schemeClr val="accent1"/>
+          </a:effectRef>
+          <a:fontRef idx="minor">
+            <a:schemeClr val="lt1"/>
+          </a:fontRef>
+        </p:style>
+        <p:txBody>
+          <a:bodyPr rtlCol="0" anchor="ctr"/>
+          <a:lstStyle/>
+          <a:p>
+            <a:pPr algn="ctr"/>
+            <a:r>
+              <a:rPr lang="en-US" sz="11500" b="1" dirty="0" smtClean="0">
+                <a:latin typeface="Arial"/>
+                <a:cs typeface="Arial"/>
+              </a:rPr>
+              <a:t>NUS</a:t>
+            </a:r>
+          </a:p>
+          <a:p>
+            <a:pPr algn="ctr"/>
+            <a:r>
+              <a:rPr lang="en-US" sz="11500" b="1" dirty="0" smtClean="0">
+                <a:latin typeface="Arial"/>
+                <a:cs typeface="Arial"/>
+              </a:rPr>
+              <a:t>HACKERS</a:t>
+            </a:r>
+            <a:endParaRPr lang="en-US" sz="11500" b="1" dirty="0" smtClean="0">
+              <a:latin typeface="Arial"/>
+              <a:cs typeface="Arial"/>
+            </a:endParaRPr>
+          </a:p>
+        </p:txBody>
+      </p:sp>
+    </p:spTree>
+    <p:extLst>
+      <p:ext uri="{BB962C8B-B14F-4D97-AF65-F5344CB8AC3E}">
+        <p14:creationId xmlns:p14="http://schemas.microsoft.com/office/powerpoint/2010/main" val="2193224031"/>
+      </p:ext>
+    </p:extLst>
+  </p:cSld>
+  <p:clrMapOvr>
+    <a:masterClrMapping/>
+  </p:clrMapOvr>
+</p:sld>
+</file>
+
+<file path=ppt/slides/slide25.xml><?xml version="1.0" encoding="utf-8"?>
+<p:sld xmlns:a="http://schemas.openxmlformats.org/drawingml/2006/main" xmlns:r="http://schemas.openxmlformats.org/officeDocument/2006/relationships" xmlns:p="http://schemas.openxmlformats.org/presentationml/2006/main">
+  <p:cSld>
+    <p:spTree>
+      <p:nvGrpSpPr>
+        <p:cNvPr id="1" name=""/>
+        <p:cNvGrpSpPr/>
+        <p:nvPr/>
+      </p:nvGrpSpPr>
+      <p:grpSpPr>
+        <a:xfrm>
+          <a:off x="0" y="0"/>
+          <a:ext cx="0" cy="0"/>
+          <a:chOff x="0" y="0"/>
+          <a:chExt cx="0" cy="0"/>
+        </a:xfrm>
+      </p:grpSpPr>
+      <p:sp>
+        <p:nvSpPr>
+          <p:cNvPr id="4" name="Rectangle 3"/>
+          <p:cNvSpPr/>
+          <p:nvPr/>
+        </p:nvSpPr>
+        <p:spPr>
+          <a:xfrm>
+            <a:off x="232142" y="1146983"/>
+            <a:ext cx="8698492" cy="4424075"/>
+          </a:xfrm>
+          <a:prstGeom prst="rect">
+            <a:avLst/>
+          </a:prstGeom>
+          <a:solidFill>
+            <a:srgbClr val="00006B"/>
+          </a:solidFill>
+          <a:ln>
+            <a:noFill/>
+          </a:ln>
+          <a:effectLst/>
+        </p:spPr>
+        <p:style>
+          <a:lnRef idx="1">
+            <a:schemeClr val="accent1"/>
+          </a:lnRef>
+          <a:fillRef idx="3">
+            <a:schemeClr val="accent1"/>
+          </a:fillRef>
+          <a:effectRef idx="2">
+            <a:schemeClr val="accent1"/>
+          </a:effectRef>
+          <a:fontRef idx="minor">
+            <a:schemeClr val="lt1"/>
+          </a:fontRef>
+        </p:style>
+        <p:txBody>
+          <a:bodyPr rtlCol="0" anchor="ctr"/>
+          <a:lstStyle/>
+          <a:p>
+            <a:pPr algn="ctr"/>
+            <a:r>
+              <a:rPr lang="en-US" sz="11500" b="1" dirty="0" smtClean="0">
+                <a:latin typeface="Arial"/>
+                <a:cs typeface="Arial"/>
+              </a:rPr>
+              <a:t>P TWO</a:t>
+            </a:r>
+          </a:p>
+          <a:p>
+            <a:pPr algn="ctr"/>
+            <a:r>
+              <a:rPr lang="en-US" sz="11500" b="1" dirty="0" smtClean="0">
+                <a:latin typeface="Arial"/>
+                <a:cs typeface="Arial"/>
+              </a:rPr>
+              <a:t>SIX</a:t>
+            </a:r>
+            <a:endParaRPr lang="en-US" sz="11500" b="1" dirty="0" smtClean="0">
+              <a:latin typeface="Arial"/>
+              <a:cs typeface="Arial"/>
+            </a:endParaRPr>
+          </a:p>
+        </p:txBody>
+      </p:sp>
+    </p:spTree>
+    <p:extLst>
+      <p:ext uri="{BB962C8B-B14F-4D97-AF65-F5344CB8AC3E}">
+        <p14:creationId xmlns:p14="http://schemas.microsoft.com/office/powerpoint/2010/main" val="3220990401"/>
+      </p:ext>
+    </p:extLst>
+  </p:cSld>
+  <p:clrMapOvr>
+    <a:masterClrMapping/>
+  </p:clrMapOvr>
+</p:sld>
+</file>
+
+<file path=ppt/slides/slide26.xml><?xml version="1.0" encoding="utf-8"?>
+<p:sld xmlns:a="http://schemas.openxmlformats.org/drawingml/2006/main" xmlns:r="http://schemas.openxmlformats.org/officeDocument/2006/relationships" xmlns:p="http://schemas.openxmlformats.org/presentationml/2006/main">
+  <p:cSld>
+    <p:spTree>
+      <p:nvGrpSpPr>
+        <p:cNvPr id="1" name=""/>
+        <p:cNvGrpSpPr/>
+        <p:nvPr/>
+      </p:nvGrpSpPr>
+      <p:grpSpPr>
+        <a:xfrm>
+          <a:off x="0" y="0"/>
+          <a:ext cx="0" cy="0"/>
+          <a:chOff x="0" y="0"/>
+          <a:chExt cx="0" cy="0"/>
+        </a:xfrm>
+      </p:grpSpPr>
+      <p:sp>
+        <p:nvSpPr>
+          <p:cNvPr id="4" name="Rectangle 3"/>
+          <p:cNvSpPr/>
+          <p:nvPr/>
+        </p:nvSpPr>
+        <p:spPr>
+          <a:xfrm>
+            <a:off x="232142" y="1146983"/>
+            <a:ext cx="8698492" cy="4424075"/>
+          </a:xfrm>
+          <a:prstGeom prst="rect">
+            <a:avLst/>
+          </a:prstGeom>
+          <a:solidFill>
+            <a:srgbClr val="00006B"/>
+          </a:solidFill>
+          <a:ln>
+            <a:noFill/>
+          </a:ln>
+          <a:effectLst/>
+        </p:spPr>
+        <p:style>
+          <a:lnRef idx="1">
+            <a:schemeClr val="accent1"/>
+          </a:lnRef>
+          <a:fillRef idx="3">
+            <a:schemeClr val="accent1"/>
+          </a:fillRef>
+          <a:effectRef idx="2">
+            <a:schemeClr val="accent1"/>
+          </a:effectRef>
+          <a:fontRef idx="minor">
+            <a:schemeClr val="lt1"/>
+          </a:fontRef>
+        </p:style>
+        <p:txBody>
+          <a:bodyPr rtlCol="0" anchor="ctr"/>
+          <a:lstStyle/>
+          <a:p>
+            <a:pPr algn="ctr"/>
+            <a:r>
+              <a:rPr lang="en-US" sz="11500" b="1" dirty="0" smtClean="0">
+                <a:latin typeface="Arial"/>
+                <a:cs typeface="Arial"/>
+              </a:rPr>
+              <a:t>SEMINAR</a:t>
+            </a:r>
+          </a:p>
+          <a:p>
+            <a:pPr algn="ctr"/>
+            <a:r>
+              <a:rPr lang="en-US" sz="11500" b="1" dirty="0" smtClean="0">
+                <a:latin typeface="Arial"/>
+                <a:cs typeface="Arial"/>
+              </a:rPr>
+              <a:t>EVELEN</a:t>
+            </a:r>
+            <a:endParaRPr lang="en-US" sz="11500" b="1" dirty="0" smtClean="0">
+              <a:latin typeface="Arial"/>
+              <a:cs typeface="Arial"/>
+            </a:endParaRPr>
+          </a:p>
+        </p:txBody>
+      </p:sp>
+    </p:spTree>
+    <p:extLst>
+      <p:ext uri="{BB962C8B-B14F-4D97-AF65-F5344CB8AC3E}">
+        <p14:creationId xmlns:p14="http://schemas.microsoft.com/office/powerpoint/2010/main" val="3794084621"/>
+      </p:ext>
+    </p:extLst>
+  </p:cSld>
+  <p:clrMapOvr>
+    <a:masterClrMapping/>
+  </p:clrMapOvr>
+</p:sld>
+</file>
+
+<file path=ppt/slides/slide27.xml><?xml version="1.0" encoding="utf-8"?>
+<p:sld xmlns:a="http://schemas.openxmlformats.org/drawingml/2006/main" xmlns:r="http://schemas.openxmlformats.org/officeDocument/2006/relationships" xmlns:p="http://schemas.openxmlformats.org/presentationml/2006/main">
+  <p:cSld>
+    <p:spTree>
+      <p:nvGrpSpPr>
+        <p:cNvPr id="1" name=""/>
+        <p:cNvGrpSpPr/>
+        <p:nvPr/>
+      </p:nvGrpSpPr>
+      <p:grpSpPr>
+        <a:xfrm>
+          <a:off x="0" y="0"/>
+          <a:ext cx="0" cy="0"/>
+          <a:chOff x="0" y="0"/>
+          <a:chExt cx="0" cy="0"/>
+        </a:xfrm>
+      </p:grpSpPr>
+      <p:sp>
+        <p:nvSpPr>
+          <p:cNvPr id="4" name="Rectangle 3"/>
+          <p:cNvSpPr/>
+          <p:nvPr/>
+        </p:nvSpPr>
+        <p:spPr>
+          <a:xfrm>
+            <a:off x="232142" y="1146983"/>
+            <a:ext cx="8698492" cy="4424075"/>
+          </a:xfrm>
+          <a:prstGeom prst="rect">
+            <a:avLst/>
+          </a:prstGeom>
+          <a:solidFill>
+            <a:srgbClr val="00006B"/>
+          </a:solidFill>
+          <a:ln>
+            <a:noFill/>
+          </a:ln>
+          <a:effectLst/>
+        </p:spPr>
+        <p:style>
+          <a:lnRef idx="1">
+            <a:schemeClr val="accent1"/>
+          </a:lnRef>
+          <a:fillRef idx="3">
+            <a:schemeClr val="accent1"/>
+          </a:fillRef>
+          <a:effectRef idx="2">
+            <a:schemeClr val="accent1"/>
+          </a:effectRef>
+          <a:fontRef idx="minor">
+            <a:schemeClr val="lt1"/>
+          </a:fontRef>
+        </p:style>
+        <p:txBody>
+          <a:bodyPr rtlCol="0" anchor="ctr"/>
+          <a:lstStyle/>
+          <a:p>
+            <a:pPr algn="ctr"/>
+            <a:r>
+              <a:rPr lang="en-US" sz="11500" b="1" dirty="0" smtClean="0">
+                <a:latin typeface="Arial"/>
+                <a:cs typeface="Arial"/>
+              </a:rPr>
+              <a:t>P TWO</a:t>
+            </a:r>
+          </a:p>
+          <a:p>
+            <a:pPr algn="ctr"/>
+            <a:r>
+              <a:rPr lang="en-US" sz="11500" b="1" dirty="0" smtClean="0">
+                <a:latin typeface="Arial"/>
+                <a:cs typeface="Arial"/>
+              </a:rPr>
+              <a:t>EIGHT</a:t>
+            </a:r>
+            <a:endParaRPr lang="en-US" sz="11500" b="1" dirty="0" smtClean="0">
+              <a:latin typeface="Arial"/>
+              <a:cs typeface="Arial"/>
+            </a:endParaRPr>
+          </a:p>
+        </p:txBody>
+      </p:sp>
+    </p:spTree>
+    <p:extLst>
+      <p:ext uri="{BB962C8B-B14F-4D97-AF65-F5344CB8AC3E}">
+        <p14:creationId xmlns:p14="http://schemas.microsoft.com/office/powerpoint/2010/main" val="2159370076"/>
+      </p:ext>
+    </p:extLst>
+  </p:cSld>
+  <p:clrMapOvr>
+    <a:masterClrMapping/>
+  </p:clrMapOvr>
+</p:sld>
+</file>
+
+<file path=ppt/slides/slide28.xml><?xml version="1.0" encoding="utf-8"?>
+<p:sld xmlns:a="http://schemas.openxmlformats.org/drawingml/2006/main" xmlns:r="http://schemas.openxmlformats.org/officeDocument/2006/relationships" xmlns:p="http://schemas.openxmlformats.org/presentationml/2006/main">
+  <p:cSld>
+    <p:spTree>
+      <p:nvGrpSpPr>
+        <p:cNvPr id="1" name=""/>
+        <p:cNvGrpSpPr/>
+        <p:nvPr/>
+      </p:nvGrpSpPr>
+      <p:grpSpPr>
+        <a:xfrm>
+          <a:off x="0" y="0"/>
+          <a:ext cx="0" cy="0"/>
+          <a:chOff x="0" y="0"/>
+          <a:chExt cx="0" cy="0"/>
+        </a:xfrm>
+      </p:grpSpPr>
+      <p:sp>
+        <p:nvSpPr>
+          <p:cNvPr id="4" name="Rectangle 3"/>
+          <p:cNvSpPr/>
+          <p:nvPr/>
+        </p:nvSpPr>
+        <p:spPr>
+          <a:xfrm>
+            <a:off x="232142" y="1146983"/>
+            <a:ext cx="8698492" cy="4424075"/>
+          </a:xfrm>
+          <a:prstGeom prst="rect">
+            <a:avLst/>
+          </a:prstGeom>
+          <a:solidFill>
+            <a:srgbClr val="00006B"/>
+          </a:solidFill>
+          <a:ln>
+            <a:noFill/>
+          </a:ln>
+          <a:effectLst/>
+        </p:spPr>
+        <p:style>
+          <a:lnRef idx="1">
+            <a:schemeClr val="accent1"/>
+          </a:lnRef>
+          <a:fillRef idx="3">
+            <a:schemeClr val="accent1"/>
+          </a:fillRef>
+          <a:effectRef idx="2">
+            <a:schemeClr val="accent1"/>
+          </a:effectRef>
+          <a:fontRef idx="minor">
+            <a:schemeClr val="lt1"/>
+          </a:fontRef>
+        </p:style>
+        <p:txBody>
+          <a:bodyPr rtlCol="0" anchor="ctr"/>
+          <a:lstStyle/>
+          <a:p>
+            <a:pPr algn="ctr"/>
+            <a:r>
+              <a:rPr lang="en-US" sz="11500" b="1" dirty="0" smtClean="0">
+                <a:latin typeface="Arial"/>
+                <a:cs typeface="Arial"/>
+              </a:rPr>
+              <a:t>P TWO</a:t>
+            </a:r>
+          </a:p>
+          <a:p>
+            <a:pPr algn="ctr"/>
+            <a:r>
+              <a:rPr lang="en-US" sz="11500" b="1" dirty="0" smtClean="0">
+                <a:latin typeface="Arial"/>
+                <a:cs typeface="Arial"/>
+              </a:rPr>
+              <a:t>NINE</a:t>
+            </a:r>
+            <a:endParaRPr lang="en-US" sz="11500" b="1" dirty="0" smtClean="0">
+              <a:latin typeface="Arial"/>
+              <a:cs typeface="Arial"/>
+            </a:endParaRPr>
+          </a:p>
+        </p:txBody>
+      </p:sp>
+    </p:spTree>
+    <p:extLst>
+      <p:ext uri="{BB962C8B-B14F-4D97-AF65-F5344CB8AC3E}">
+        <p14:creationId xmlns:p14="http://schemas.microsoft.com/office/powerpoint/2010/main" val="2294775213"/>
+      </p:ext>
+    </p:extLst>
+  </p:cSld>
+  <p:clrMapOvr>
+    <a:masterClrMapping/>
+  </p:clrMapOvr>
+</p:sld>
+</file>
+
+<file path=ppt/slides/slide29.xml><?xml version="1.0" encoding="utf-8"?>
+<p:sld xmlns:a="http://schemas.openxmlformats.org/drawingml/2006/main" xmlns:r="http://schemas.openxmlformats.org/officeDocument/2006/relationships" xmlns:p="http://schemas.openxmlformats.org/presentationml/2006/main">
+  <p:cSld>
+    <p:spTree>
+      <p:nvGrpSpPr>
+        <p:cNvPr id="1" name=""/>
+        <p:cNvGrpSpPr/>
+        <p:nvPr/>
+      </p:nvGrpSpPr>
+      <p:grpSpPr>
+        <a:xfrm>
+          <a:off x="0" y="0"/>
+          <a:ext cx="0" cy="0"/>
+          <a:chOff x="0" y="0"/>
+          <a:chExt cx="0" cy="0"/>
+        </a:xfrm>
+      </p:grpSpPr>
+      <p:sp>
+        <p:nvSpPr>
+          <p:cNvPr id="4" name="Rectangle 3"/>
+          <p:cNvSpPr/>
+          <p:nvPr/>
+        </p:nvSpPr>
+        <p:spPr>
+          <a:xfrm>
+            <a:off x="232142" y="1146983"/>
+            <a:ext cx="8698492" cy="4424075"/>
+          </a:xfrm>
+          <a:prstGeom prst="rect">
+            <a:avLst/>
+          </a:prstGeom>
+          <a:solidFill>
+            <a:srgbClr val="00006B"/>
+          </a:solidFill>
+          <a:ln>
+            <a:noFill/>
+          </a:ln>
+          <a:effectLst/>
+        </p:spPr>
+        <p:style>
+          <a:lnRef idx="1">
+            <a:schemeClr val="accent1"/>
+          </a:lnRef>
+          <a:fillRef idx="3">
+            <a:schemeClr val="accent1"/>
+          </a:fillRef>
+          <a:effectRef idx="2">
+            <a:schemeClr val="accent1"/>
+          </a:effectRef>
+          <a:fontRef idx="minor">
+            <a:schemeClr val="lt1"/>
+          </a:fontRef>
+        </p:style>
+        <p:txBody>
+          <a:bodyPr rtlCol="0" anchor="ctr"/>
+          <a:lstStyle/>
+          <a:p>
+            <a:pPr algn="ctr"/>
+            <a:r>
+              <a:rPr lang="en-US" sz="11500" b="1" dirty="0" smtClean="0">
+                <a:latin typeface="Arial"/>
+                <a:cs typeface="Arial"/>
+              </a:rPr>
+              <a:t>CANTEEN</a:t>
+            </a:r>
+          </a:p>
+        </p:txBody>
+      </p:sp>
+    </p:spTree>
+    <p:extLst>
+      <p:ext uri="{BB962C8B-B14F-4D97-AF65-F5344CB8AC3E}">
+        <p14:creationId xmlns:p14="http://schemas.microsoft.com/office/powerpoint/2010/main" val="1180699657"/>
+      </p:ext>
+    </p:extLst>
+  </p:cSld>
+  <p:clrMapOvr>
+    <a:masterClrMapping/>
+  </p:clrMapOvr>
+</p:sld>
+</file>
+
+<file path=ppt/slides/slide3.xml><?xml version="1.0" encoding="utf-8"?>
+<p:sld xmlns:a="http://schemas.openxmlformats.org/drawingml/2006/main" xmlns:r="http://schemas.openxmlformats.org/officeDocument/2006/relationships" xmlns:p="http://schemas.openxmlformats.org/presentationml/2006/main">
+  <p:cSld>
+    <p:spTree>
+      <p:nvGrpSpPr>
+        <p:cNvPr id="1" name=""/>
+        <p:cNvGrpSpPr/>
+        <p:nvPr/>
+      </p:nvGrpSpPr>
+      <p:grpSpPr>
+        <a:xfrm>
+          <a:off x="0" y="0"/>
+          <a:ext cx="0" cy="0"/>
+          <a:chOff x="0" y="0"/>
+          <a:chExt cx="0" cy="0"/>
+        </a:xfrm>
+      </p:grpSpPr>
+      <p:sp>
+        <p:nvSpPr>
+          <p:cNvPr id="4" name="Rectangle 3"/>
+          <p:cNvSpPr/>
+          <p:nvPr/>
+        </p:nvSpPr>
+        <p:spPr>
+          <a:xfrm>
+            <a:off x="232142" y="1146983"/>
+            <a:ext cx="8698492" cy="4424075"/>
+          </a:xfrm>
+          <a:prstGeom prst="rect">
+            <a:avLst/>
+          </a:prstGeom>
+          <a:solidFill>
+            <a:srgbClr val="00006B"/>
+          </a:solidFill>
+          <a:ln>
+            <a:noFill/>
+          </a:ln>
+          <a:effectLst/>
+        </p:spPr>
+        <p:style>
+          <a:lnRef idx="1">
+            <a:schemeClr val="accent1"/>
+          </a:lnRef>
+          <a:fillRef idx="3">
+            <a:schemeClr val="accent1"/>
+          </a:fillRef>
+          <a:effectRef idx="2">
+            <a:schemeClr val="accent1"/>
+          </a:effectRef>
+          <a:fontRef idx="minor">
+            <a:schemeClr val="lt1"/>
+          </a:fontRef>
+        </p:style>
+        <p:txBody>
+          <a:bodyPr rtlCol="0" anchor="ctr"/>
+          <a:lstStyle/>
+          <a:p>
+            <a:pPr algn="ctr"/>
+            <a:r>
+              <a:rPr lang="en-US" sz="11500" b="1" dirty="0" smtClean="0">
+                <a:latin typeface="Arial"/>
+                <a:cs typeface="Arial"/>
+              </a:rPr>
+              <a:t>SEMINAR</a:t>
+            </a:r>
+          </a:p>
+          <a:p>
+            <a:pPr algn="ctr"/>
+            <a:r>
+              <a:rPr lang="en-US" sz="11500" b="1" dirty="0" smtClean="0">
+                <a:latin typeface="Arial"/>
+                <a:cs typeface="Arial"/>
+              </a:rPr>
+              <a:t>SIX</a:t>
+            </a:r>
+            <a:endParaRPr lang="en-US" sz="11500" b="1" dirty="0">
+              <a:latin typeface="Arial"/>
+              <a:cs typeface="Arial"/>
+            </a:endParaRPr>
+          </a:p>
+        </p:txBody>
+      </p:sp>
+    </p:spTree>
+    <p:extLst>
+      <p:ext uri="{BB962C8B-B14F-4D97-AF65-F5344CB8AC3E}">
+        <p14:creationId xmlns:p14="http://schemas.microsoft.com/office/powerpoint/2010/main" val="2338566480"/>
+      </p:ext>
+    </p:extLst>
+  </p:cSld>
+  <p:clrMapOvr>
+    <a:masterClrMapping/>
+  </p:clrMapOvr>
+</p:sld>
+</file>
+
+<file path=ppt/slides/slide30.xml><?xml version="1.0" encoding="utf-8"?>
+<p:sld xmlns:a="http://schemas.openxmlformats.org/drawingml/2006/main" xmlns:r="http://schemas.openxmlformats.org/officeDocument/2006/relationships" xmlns:p="http://schemas.openxmlformats.org/presentationml/2006/main">
+  <p:cSld>
+    <p:spTree>
+      <p:nvGrpSpPr>
+        <p:cNvPr id="1" name=""/>
+        <p:cNvGrpSpPr/>
+        <p:nvPr/>
+      </p:nvGrpSpPr>
+      <p:grpSpPr>
+        <a:xfrm>
+          <a:off x="0" y="0"/>
+          <a:ext cx="0" cy="0"/>
+          <a:chOff x="0" y="0"/>
+          <a:chExt cx="0" cy="0"/>
+        </a:xfrm>
+      </p:grpSpPr>
+      <p:sp>
+        <p:nvSpPr>
+          <p:cNvPr id="4" name="Rectangle 3"/>
+          <p:cNvSpPr/>
+          <p:nvPr/>
+        </p:nvSpPr>
+        <p:spPr>
+          <a:xfrm>
+            <a:off x="232142" y="1146983"/>
+            <a:ext cx="8698492" cy="4424075"/>
+          </a:xfrm>
+          <a:prstGeom prst="rect">
+            <a:avLst/>
+          </a:prstGeom>
+          <a:solidFill>
+            <a:srgbClr val="00006B"/>
+          </a:solidFill>
+          <a:ln>
+            <a:noFill/>
+          </a:ln>
+          <a:effectLst/>
+        </p:spPr>
+        <p:style>
+          <a:lnRef idx="1">
+            <a:schemeClr val="accent1"/>
+          </a:lnRef>
+          <a:fillRef idx="3">
+            <a:schemeClr val="accent1"/>
+          </a:fillRef>
+          <a:effectRef idx="2">
+            <a:schemeClr val="accent1"/>
+          </a:effectRef>
+          <a:fontRef idx="minor">
+            <a:schemeClr val="lt1"/>
+          </a:fontRef>
+        </p:style>
+        <p:txBody>
+          <a:bodyPr rtlCol="0" anchor="ctr"/>
+          <a:lstStyle/>
+          <a:p>
+            <a:pPr algn="ctr"/>
+            <a:r>
+              <a:rPr lang="en-US" sz="11500" b="1" dirty="0" smtClean="0">
+                <a:latin typeface="Arial"/>
+                <a:cs typeface="Arial"/>
+              </a:rPr>
+              <a:t>STAIRS</a:t>
+            </a:r>
+          </a:p>
+          <a:p>
+            <a:pPr algn="ctr"/>
+            <a:r>
+              <a:rPr lang="en-US" sz="11500" b="1" dirty="0" smtClean="0">
+                <a:latin typeface="Arial"/>
+                <a:cs typeface="Arial"/>
+              </a:rPr>
+              <a:t>ONE ST</a:t>
+            </a:r>
+            <a:endParaRPr lang="en-US" sz="11500" b="1" dirty="0" smtClean="0">
+              <a:latin typeface="Arial"/>
+              <a:cs typeface="Arial"/>
+            </a:endParaRPr>
+          </a:p>
+        </p:txBody>
+      </p:sp>
+    </p:spTree>
+    <p:extLst>
+      <p:ext uri="{BB962C8B-B14F-4D97-AF65-F5344CB8AC3E}">
+        <p14:creationId xmlns:p14="http://schemas.microsoft.com/office/powerpoint/2010/main" val="464553921"/>
+      </p:ext>
+    </p:extLst>
+  </p:cSld>
+  <p:clrMapOvr>
+    <a:masterClrMapping/>
+  </p:clrMapOvr>
+</p:sld>
+</file>
+
+<file path=ppt/slides/slide31.xml><?xml version="1.0" encoding="utf-8"?>
+<p:sld xmlns:a="http://schemas.openxmlformats.org/drawingml/2006/main" xmlns:r="http://schemas.openxmlformats.org/officeDocument/2006/relationships" xmlns:p="http://schemas.openxmlformats.org/presentationml/2006/main">
+  <p:cSld>
+    <p:spTree>
+      <p:nvGrpSpPr>
+        <p:cNvPr id="1" name=""/>
+        <p:cNvGrpSpPr/>
+        <p:nvPr/>
+      </p:nvGrpSpPr>
+      <p:grpSpPr>
+        <a:xfrm>
+          <a:off x="0" y="0"/>
+          <a:ext cx="0" cy="0"/>
+          <a:chOff x="0" y="0"/>
+          <a:chExt cx="0" cy="0"/>
+        </a:xfrm>
+      </p:grpSpPr>
+      <p:sp>
+        <p:nvSpPr>
+          <p:cNvPr id="4" name="Rectangle 3"/>
+          <p:cNvSpPr/>
+          <p:nvPr/>
+        </p:nvSpPr>
+        <p:spPr>
+          <a:xfrm>
+            <a:off x="232142" y="1146983"/>
+            <a:ext cx="8698492" cy="4424075"/>
+          </a:xfrm>
+          <a:prstGeom prst="rect">
+            <a:avLst/>
+          </a:prstGeom>
+          <a:solidFill>
+            <a:srgbClr val="00006B"/>
+          </a:solidFill>
+          <a:ln>
+            <a:noFill/>
+          </a:ln>
+          <a:effectLst/>
+        </p:spPr>
+        <p:style>
+          <a:lnRef idx="1">
+            <a:schemeClr val="accent1"/>
+          </a:lnRef>
+          <a:fillRef idx="3">
+            <a:schemeClr val="accent1"/>
+          </a:fillRef>
+          <a:effectRef idx="2">
+            <a:schemeClr val="accent1"/>
+          </a:effectRef>
+          <a:fontRef idx="minor">
+            <a:schemeClr val="lt1"/>
+          </a:fontRef>
+        </p:style>
+        <p:txBody>
+          <a:bodyPr rtlCol="0" anchor="ctr"/>
+          <a:lstStyle/>
+          <a:p>
+            <a:pPr algn="ctr"/>
+            <a:r>
+              <a:rPr lang="en-US" sz="11500" b="1" dirty="0" smtClean="0">
+                <a:latin typeface="Arial"/>
+                <a:cs typeface="Arial"/>
+              </a:rPr>
+              <a:t>STAIRS</a:t>
+            </a:r>
+          </a:p>
+          <a:p>
+            <a:pPr algn="ctr"/>
+            <a:r>
+              <a:rPr lang="en-US" sz="11500" b="1" dirty="0" smtClean="0">
+                <a:latin typeface="Arial"/>
+                <a:cs typeface="Arial"/>
+              </a:rPr>
+              <a:t>ONE ED</a:t>
+            </a:r>
+            <a:endParaRPr lang="en-US" sz="11500" b="1" dirty="0" smtClean="0">
+              <a:latin typeface="Arial"/>
+              <a:cs typeface="Arial"/>
+            </a:endParaRPr>
+          </a:p>
+        </p:txBody>
+      </p:sp>
+    </p:spTree>
+    <p:extLst>
+      <p:ext uri="{BB962C8B-B14F-4D97-AF65-F5344CB8AC3E}">
+        <p14:creationId xmlns:p14="http://schemas.microsoft.com/office/powerpoint/2010/main" val="1265625604"/>
+      </p:ext>
+    </p:extLst>
+  </p:cSld>
+  <p:clrMapOvr>
+    <a:masterClrMapping/>
+  </p:clrMapOvr>
+</p:sld>
+</file>
+
+<file path=ppt/slides/slide32.xml><?xml version="1.0" encoding="utf-8"?>
+<p:sld xmlns:a="http://schemas.openxmlformats.org/drawingml/2006/main" xmlns:r="http://schemas.openxmlformats.org/officeDocument/2006/relationships" xmlns:p="http://schemas.openxmlformats.org/presentationml/2006/main">
+  <p:cSld>
+    <p:spTree>
+      <p:nvGrpSpPr>
+        <p:cNvPr id="1" name=""/>
+        <p:cNvGrpSpPr/>
+        <p:nvPr/>
+      </p:nvGrpSpPr>
+      <p:grpSpPr>
+        <a:xfrm>
+          <a:off x="0" y="0"/>
+          <a:ext cx="0" cy="0"/>
+          <a:chOff x="0" y="0"/>
+          <a:chExt cx="0" cy="0"/>
+        </a:xfrm>
+      </p:grpSpPr>
+      <p:sp>
+        <p:nvSpPr>
+          <p:cNvPr id="4" name="Rectangle 3"/>
+          <p:cNvSpPr/>
+          <p:nvPr/>
+        </p:nvSpPr>
+        <p:spPr>
+          <a:xfrm>
+            <a:off x="232142" y="1146983"/>
+            <a:ext cx="8698492" cy="4424075"/>
+          </a:xfrm>
+          <a:prstGeom prst="rect">
+            <a:avLst/>
+          </a:prstGeom>
+          <a:solidFill>
+            <a:srgbClr val="00006B"/>
+          </a:solidFill>
+          <a:ln>
+            <a:noFill/>
+          </a:ln>
+          <a:effectLst/>
+        </p:spPr>
+        <p:style>
+          <a:lnRef idx="1">
+            <a:schemeClr val="accent1"/>
+          </a:lnRef>
+          <a:fillRef idx="3">
+            <a:schemeClr val="accent1"/>
+          </a:fillRef>
+          <a:effectRef idx="2">
+            <a:schemeClr val="accent1"/>
+          </a:effectRef>
+          <a:fontRef idx="minor">
+            <a:schemeClr val="lt1"/>
+          </a:fontRef>
+        </p:style>
+        <p:txBody>
+          <a:bodyPr rtlCol="0" anchor="ctr"/>
+          <a:lstStyle/>
+          <a:p>
+            <a:pPr algn="ctr"/>
+            <a:r>
+              <a:rPr lang="en-US" sz="11500" b="1" dirty="0" smtClean="0">
+                <a:latin typeface="Arial"/>
+                <a:cs typeface="Arial"/>
+              </a:rPr>
+              <a:t>CURB</a:t>
+            </a:r>
+          </a:p>
+          <a:p>
+            <a:pPr algn="ctr"/>
+            <a:r>
+              <a:rPr lang="en-US" sz="11500" b="1" dirty="0" smtClean="0">
+                <a:latin typeface="Arial"/>
+                <a:cs typeface="Arial"/>
+              </a:rPr>
+              <a:t>ONE</a:t>
+            </a:r>
+            <a:endParaRPr lang="en-US" sz="11500" b="1" dirty="0" smtClean="0">
+              <a:latin typeface="Arial"/>
+              <a:cs typeface="Arial"/>
+            </a:endParaRPr>
+          </a:p>
+        </p:txBody>
+      </p:sp>
+    </p:spTree>
+    <p:extLst>
+      <p:ext uri="{BB962C8B-B14F-4D97-AF65-F5344CB8AC3E}">
+        <p14:creationId xmlns:p14="http://schemas.microsoft.com/office/powerpoint/2010/main" val="3800603540"/>
+      </p:ext>
+    </p:extLst>
+  </p:cSld>
+  <p:clrMapOvr>
+    <a:masterClrMapping/>
+  </p:clrMapOvr>
+</p:sld>
+</file>
+
+<file path=ppt/slides/slide33.xml><?xml version="1.0" encoding="utf-8"?>
+<p:sld xmlns:a="http://schemas.openxmlformats.org/drawingml/2006/main" xmlns:r="http://schemas.openxmlformats.org/officeDocument/2006/relationships" xmlns:p="http://schemas.openxmlformats.org/presentationml/2006/main">
+  <p:cSld>
+    <p:spTree>
+      <p:nvGrpSpPr>
+        <p:cNvPr id="1" name=""/>
+        <p:cNvGrpSpPr/>
+        <p:nvPr/>
+      </p:nvGrpSpPr>
+      <p:grpSpPr>
+        <a:xfrm>
+          <a:off x="0" y="0"/>
+          <a:ext cx="0" cy="0"/>
+          <a:chOff x="0" y="0"/>
+          <a:chExt cx="0" cy="0"/>
+        </a:xfrm>
+      </p:grpSpPr>
+      <p:sp>
+        <p:nvSpPr>
+          <p:cNvPr id="4" name="Rectangle 3"/>
+          <p:cNvSpPr/>
+          <p:nvPr/>
+        </p:nvSpPr>
+        <p:spPr>
+          <a:xfrm>
+            <a:off x="232142" y="1146983"/>
+            <a:ext cx="8698492" cy="4424075"/>
+          </a:xfrm>
+          <a:prstGeom prst="rect">
+            <a:avLst/>
+          </a:prstGeom>
+          <a:solidFill>
+            <a:srgbClr val="00006B"/>
+          </a:solidFill>
+          <a:ln>
+            <a:noFill/>
+          </a:ln>
+          <a:effectLst/>
+        </p:spPr>
+        <p:style>
+          <a:lnRef idx="1">
+            <a:schemeClr val="accent1"/>
+          </a:lnRef>
+          <a:fillRef idx="3">
+            <a:schemeClr val="accent1"/>
+          </a:fillRef>
+          <a:effectRef idx="2">
+            <a:schemeClr val="accent1"/>
+          </a:effectRef>
+          <a:fontRef idx="minor">
+            <a:schemeClr val="lt1"/>
+          </a:fontRef>
+        </p:style>
+        <p:txBody>
+          <a:bodyPr rtlCol="0" anchor="ctr"/>
+          <a:lstStyle/>
+          <a:p>
+            <a:pPr algn="ctr"/>
+            <a:r>
+              <a:rPr lang="en-US" sz="11500" b="1" dirty="0" smtClean="0">
+                <a:latin typeface="Arial"/>
+                <a:cs typeface="Arial"/>
+              </a:rPr>
+              <a:t>GLASS</a:t>
+            </a:r>
+          </a:p>
+          <a:p>
+            <a:pPr algn="ctr"/>
+            <a:r>
+              <a:rPr lang="en-US" sz="11500" b="1" dirty="0" smtClean="0">
+                <a:latin typeface="Arial"/>
+                <a:cs typeface="Arial"/>
+              </a:rPr>
+              <a:t>DOOR</a:t>
+            </a:r>
+            <a:endParaRPr lang="en-US" sz="11500" b="1" dirty="0" smtClean="0">
+              <a:latin typeface="Arial"/>
+              <a:cs typeface="Arial"/>
+            </a:endParaRPr>
+          </a:p>
+        </p:txBody>
+      </p:sp>
+    </p:spTree>
+    <p:extLst>
+      <p:ext uri="{BB962C8B-B14F-4D97-AF65-F5344CB8AC3E}">
+        <p14:creationId xmlns:p14="http://schemas.microsoft.com/office/powerpoint/2010/main" val="2412980010"/>
+      </p:ext>
+    </p:extLst>
+  </p:cSld>
+  <p:clrMapOvr>
+    <a:masterClrMapping/>
+  </p:clrMapOvr>
+</p:sld>
+</file>
+
+<file path=ppt/slides/slide4.xml><?xml version="1.0" encoding="utf-8"?>
+<p:sld xmlns:a="http://schemas.openxmlformats.org/drawingml/2006/main" xmlns:r="http://schemas.openxmlformats.org/officeDocument/2006/relationships" xmlns:p="http://schemas.openxmlformats.org/presentationml/2006/main">
+  <p:cSld>
+    <p:spTree>
+      <p:nvGrpSpPr>
+        <p:cNvPr id="1" name=""/>
+        <p:cNvGrpSpPr/>
+        <p:nvPr/>
+      </p:nvGrpSpPr>
+      <p:grpSpPr>
+        <a:xfrm>
+          <a:off x="0" y="0"/>
+          <a:ext cx="0" cy="0"/>
+          <a:chOff x="0" y="0"/>
+          <a:chExt cx="0" cy="0"/>
+        </a:xfrm>
+      </p:grpSpPr>
+      <p:sp>
+        <p:nvSpPr>
+          <p:cNvPr id="4" name="Rectangle 3"/>
+          <p:cNvSpPr/>
+          <p:nvPr/>
+        </p:nvSpPr>
+        <p:spPr>
+          <a:xfrm>
+            <a:off x="232142" y="1146983"/>
+            <a:ext cx="8698492" cy="4424075"/>
+          </a:xfrm>
+          <a:prstGeom prst="rect">
+            <a:avLst/>
+          </a:prstGeom>
+          <a:solidFill>
+            <a:srgbClr val="00006B"/>
+          </a:solidFill>
+          <a:ln>
+            <a:noFill/>
+          </a:ln>
+          <a:effectLst/>
+        </p:spPr>
+        <p:style>
+          <a:lnRef idx="1">
+            <a:schemeClr val="accent1"/>
+          </a:lnRef>
+          <a:fillRef idx="3">
+            <a:schemeClr val="accent1"/>
+          </a:fillRef>
+          <a:effectRef idx="2">
+            <a:schemeClr val="accent1"/>
+          </a:effectRef>
+          <a:fontRef idx="minor">
+            <a:schemeClr val="lt1"/>
+          </a:fontRef>
+        </p:style>
+        <p:txBody>
+          <a:bodyPr rtlCol="0" anchor="ctr"/>
+          <a:lstStyle/>
+          <a:p>
+            <a:pPr algn="ctr"/>
+            <a:r>
+              <a:rPr lang="en-US" sz="11500" b="1" dirty="0" smtClean="0">
+                <a:latin typeface="Arial"/>
+                <a:cs typeface="Arial"/>
+              </a:rPr>
+              <a:t>LOBBY</a:t>
+            </a:r>
+            <a:endParaRPr lang="en-US" sz="11500" b="1" dirty="0">
+              <a:latin typeface="Arial"/>
+              <a:cs typeface="Arial"/>
+            </a:endParaRPr>
+          </a:p>
+        </p:txBody>
+      </p:sp>
+    </p:spTree>
+    <p:extLst>
+      <p:ext uri="{BB962C8B-B14F-4D97-AF65-F5344CB8AC3E}">
+        <p14:creationId xmlns:p14="http://schemas.microsoft.com/office/powerpoint/2010/main" val="2540485996"/>
+      </p:ext>
+    </p:extLst>
+  </p:cSld>
+  <p:clrMapOvr>
+    <a:masterClrMapping/>
+  </p:clrMapOvr>
+</p:sld>
+</file>
+
+<file path=ppt/slides/slide5.xml><?xml version="1.0" encoding="utf-8"?>
+<p:sld xmlns:a="http://schemas.openxmlformats.org/drawingml/2006/main" xmlns:r="http://schemas.openxmlformats.org/officeDocument/2006/relationships" xmlns:p="http://schemas.openxmlformats.org/presentationml/2006/main">
+  <p:cSld>
+    <p:spTree>
+      <p:nvGrpSpPr>
+        <p:cNvPr id="1" name=""/>
+        <p:cNvGrpSpPr/>
+        <p:nvPr/>
+      </p:nvGrpSpPr>
+      <p:grpSpPr>
+        <a:xfrm>
+          <a:off x="0" y="0"/>
+          <a:ext cx="0" cy="0"/>
+          <a:chOff x="0" y="0"/>
+          <a:chExt cx="0" cy="0"/>
+        </a:xfrm>
+      </p:grpSpPr>
+      <p:sp>
+        <p:nvSpPr>
+          <p:cNvPr id="4" name="Rectangle 3"/>
+          <p:cNvSpPr/>
+          <p:nvPr/>
+        </p:nvSpPr>
+        <p:spPr>
+          <a:xfrm>
+            <a:off x="232142" y="1146983"/>
+            <a:ext cx="8698492" cy="4424075"/>
+          </a:xfrm>
+          <a:prstGeom prst="rect">
+            <a:avLst/>
+          </a:prstGeom>
+          <a:solidFill>
+            <a:srgbClr val="00006B"/>
+          </a:solidFill>
+          <a:ln>
+            <a:noFill/>
+          </a:ln>
+          <a:effectLst/>
+        </p:spPr>
+        <p:style>
+          <a:lnRef idx="1">
+            <a:schemeClr val="accent1"/>
+          </a:lnRef>
+          <a:fillRef idx="3">
+            <a:schemeClr val="accent1"/>
+          </a:fillRef>
+          <a:effectRef idx="2">
+            <a:schemeClr val="accent1"/>
+          </a:effectRef>
+          <a:fontRef idx="minor">
+            <a:schemeClr val="lt1"/>
+          </a:fontRef>
+        </p:style>
+        <p:txBody>
+          <a:bodyPr rtlCol="0" anchor="ctr"/>
+          <a:lstStyle/>
+          <a:p>
+            <a:pPr algn="ctr"/>
+            <a:r>
+              <a:rPr lang="en-US" sz="11500" b="1" dirty="0" smtClean="0">
+                <a:latin typeface="Arial"/>
+                <a:cs typeface="Arial"/>
+              </a:rPr>
+              <a:t>LINKWAY</a:t>
+            </a:r>
+            <a:endParaRPr lang="en-US" sz="11500" b="1" dirty="0">
+              <a:latin typeface="Arial"/>
+              <a:cs typeface="Arial"/>
+            </a:endParaRPr>
+          </a:p>
+        </p:txBody>
+      </p:sp>
+    </p:spTree>
+    <p:extLst>
+      <p:ext uri="{BB962C8B-B14F-4D97-AF65-F5344CB8AC3E}">
+        <p14:creationId xmlns:p14="http://schemas.microsoft.com/office/powerpoint/2010/main" val="1431559246"/>
+      </p:ext>
+    </p:extLst>
+  </p:cSld>
+  <p:clrMapOvr>
+    <a:masterClrMapping/>
+  </p:clrMapOvr>
+</p:sld>
+</file>
+
+<file path=ppt/slides/slide6.xml><?xml version="1.0" encoding="utf-8"?>
+<p:sld xmlns:a="http://schemas.openxmlformats.org/drawingml/2006/main" xmlns:r="http://schemas.openxmlformats.org/officeDocument/2006/relationships" xmlns:p="http://schemas.openxmlformats.org/presentationml/2006/main">
+  <p:cSld>
+    <p:spTree>
+      <p:nvGrpSpPr>
+        <p:cNvPr id="1" name=""/>
+        <p:cNvGrpSpPr/>
+        <p:nvPr/>
+      </p:nvGrpSpPr>
+      <p:grpSpPr>
+        <a:xfrm>
+          <a:off x="0" y="0"/>
+          <a:ext cx="0" cy="0"/>
+          <a:chOff x="0" y="0"/>
+          <a:chExt cx="0" cy="0"/>
+        </a:xfrm>
+      </p:grpSpPr>
+      <p:sp>
+        <p:nvSpPr>
+          <p:cNvPr id="4" name="Rectangle 3"/>
+          <p:cNvSpPr/>
+          <p:nvPr/>
+        </p:nvSpPr>
+        <p:spPr>
+          <a:xfrm>
+            <a:off x="232142" y="1146983"/>
+            <a:ext cx="8698492" cy="4424075"/>
+          </a:xfrm>
+          <a:prstGeom prst="rect">
+            <a:avLst/>
+          </a:prstGeom>
+          <a:solidFill>
+            <a:srgbClr val="00006B"/>
+          </a:solidFill>
+          <a:ln>
+            <a:noFill/>
+          </a:ln>
+          <a:effectLst/>
+        </p:spPr>
+        <p:style>
+          <a:lnRef idx="1">
+            <a:schemeClr val="accent1"/>
+          </a:lnRef>
+          <a:fillRef idx="3">
+            <a:schemeClr val="accent1"/>
+          </a:fillRef>
+          <a:effectRef idx="2">
+            <a:schemeClr val="accent1"/>
+          </a:effectRef>
+          <a:fontRef idx="minor">
+            <a:schemeClr val="lt1"/>
+          </a:fontRef>
+        </p:style>
+        <p:txBody>
+          <a:bodyPr rtlCol="0" anchor="ctr"/>
+          <a:lstStyle/>
+          <a:p>
+            <a:pPr algn="ctr"/>
+            <a:r>
+              <a:rPr lang="en-US" sz="11500" b="1" dirty="0" smtClean="0">
+                <a:latin typeface="Arial"/>
+                <a:cs typeface="Arial"/>
+              </a:rPr>
+              <a:t>P FOUR</a:t>
+            </a:r>
+            <a:endParaRPr lang="en-US" sz="11500" b="1" dirty="0">
+              <a:latin typeface="Arial"/>
+              <a:cs typeface="Arial"/>
+            </a:endParaRPr>
+          </a:p>
+        </p:txBody>
+      </p:sp>
+    </p:spTree>
+    <p:extLst>
+      <p:ext uri="{BB962C8B-B14F-4D97-AF65-F5344CB8AC3E}">
+        <p14:creationId xmlns:p14="http://schemas.microsoft.com/office/powerpoint/2010/main" val="1525581276"/>
+      </p:ext>
+    </p:extLst>
+  </p:cSld>
+  <p:clrMapOvr>
+    <a:masterClrMapping/>
+  </p:clrMapOvr>
+</p:sld>
+</file>
+
+<file path=ppt/slides/slide7.xml><?xml version="1.0" encoding="utf-8"?>
+<p:sld xmlns:a="http://schemas.openxmlformats.org/drawingml/2006/main" xmlns:r="http://schemas.openxmlformats.org/officeDocument/2006/relationships" xmlns:p="http://schemas.openxmlformats.org/presentationml/2006/main">
+  <p:cSld>
+    <p:spTree>
+      <p:nvGrpSpPr>
+        <p:cNvPr id="1" name=""/>
+        <p:cNvGrpSpPr/>
+        <p:nvPr/>
+      </p:nvGrpSpPr>
+      <p:grpSpPr>
+        <a:xfrm>
+          <a:off x="0" y="0"/>
+          <a:ext cx="0" cy="0"/>
+          <a:chOff x="0" y="0"/>
+          <a:chExt cx="0" cy="0"/>
+        </a:xfrm>
+      </p:grpSpPr>
+      <p:sp>
+        <p:nvSpPr>
+          <p:cNvPr id="4" name="Rectangle 3"/>
+          <p:cNvSpPr/>
+          <p:nvPr/>
+        </p:nvSpPr>
+        <p:spPr>
+          <a:xfrm>
+            <a:off x="232142" y="1146983"/>
+            <a:ext cx="8698492" cy="4424075"/>
+          </a:xfrm>
+          <a:prstGeom prst="rect">
+            <a:avLst/>
+          </a:prstGeom>
+          <a:solidFill>
+            <a:srgbClr val="00006B"/>
+          </a:solidFill>
+          <a:ln>
+            <a:noFill/>
+          </a:ln>
+          <a:effectLst/>
+        </p:spPr>
+        <p:style>
+          <a:lnRef idx="1">
+            <a:schemeClr val="accent1"/>
+          </a:lnRef>
+          <a:fillRef idx="3">
+            <a:schemeClr val="accent1"/>
+          </a:fillRef>
+          <a:effectRef idx="2">
+            <a:schemeClr val="accent1"/>
+          </a:effectRef>
+          <a:fontRef idx="minor">
+            <a:schemeClr val="lt1"/>
+          </a:fontRef>
+        </p:style>
+        <p:txBody>
+          <a:bodyPr rtlCol="0" anchor="ctr"/>
+          <a:lstStyle/>
+          <a:p>
+            <a:pPr algn="ctr"/>
+            <a:r>
+              <a:rPr lang="en-US" sz="11500" b="1" dirty="0" smtClean="0">
+                <a:latin typeface="Arial"/>
+                <a:cs typeface="Arial"/>
+              </a:rPr>
+              <a:t>P FIVE</a:t>
+            </a:r>
+            <a:endParaRPr lang="en-US" sz="11500" b="1" dirty="0">
+              <a:latin typeface="Arial"/>
+              <a:cs typeface="Arial"/>
+            </a:endParaRPr>
+          </a:p>
+        </p:txBody>
+      </p:sp>
+    </p:spTree>
+    <p:extLst>
+      <p:ext uri="{BB962C8B-B14F-4D97-AF65-F5344CB8AC3E}">
+        <p14:creationId xmlns:p14="http://schemas.microsoft.com/office/powerpoint/2010/main" val="1978482508"/>
+      </p:ext>
+    </p:extLst>
+  </p:cSld>
+  <p:clrMapOvr>
+    <a:masterClrMapping/>
+  </p:clrMapOvr>
+</p:sld>
+</file>
+
+<file path=ppt/slides/slide8.xml><?xml version="1.0" encoding="utf-8"?>
+<p:sld xmlns:a="http://schemas.openxmlformats.org/drawingml/2006/main" xmlns:r="http://schemas.openxmlformats.org/officeDocument/2006/relationships" xmlns:p="http://schemas.openxmlformats.org/presentationml/2006/main">
+  <p:cSld>
+    <p:spTree>
+      <p:nvGrpSpPr>
+        <p:cNvPr id="1" name=""/>
+        <p:cNvGrpSpPr/>
+        <p:nvPr/>
+      </p:nvGrpSpPr>
+      <p:grpSpPr>
+        <a:xfrm>
+          <a:off x="0" y="0"/>
+          <a:ext cx="0" cy="0"/>
+          <a:chOff x="0" y="0"/>
+          <a:chExt cx="0" cy="0"/>
+        </a:xfrm>
+      </p:grpSpPr>
+      <p:sp>
+        <p:nvSpPr>
+          <p:cNvPr id="4" name="Rectangle 3"/>
+          <p:cNvSpPr/>
+          <p:nvPr/>
+        </p:nvSpPr>
+        <p:spPr>
+          <a:xfrm>
+            <a:off x="232142" y="1146983"/>
+            <a:ext cx="8698492" cy="4424075"/>
+          </a:xfrm>
+          <a:prstGeom prst="rect">
+            <a:avLst/>
+          </a:prstGeom>
+          <a:solidFill>
+            <a:srgbClr val="00006B"/>
+          </a:solidFill>
+          <a:ln>
+            <a:noFill/>
+          </a:ln>
+          <a:effectLst/>
+        </p:spPr>
+        <p:style>
+          <a:lnRef idx="1">
+            <a:schemeClr val="accent1"/>
+          </a:lnRef>
+          <a:fillRef idx="3">
+            <a:schemeClr val="accent1"/>
+          </a:fillRef>
+          <a:effectRef idx="2">
+            <a:schemeClr val="accent1"/>
+          </a:effectRef>
+          <a:fontRef idx="minor">
+            <a:schemeClr val="lt1"/>
+          </a:fontRef>
+        </p:style>
+        <p:txBody>
+          <a:bodyPr rtlCol="0" anchor="ctr"/>
+          <a:lstStyle/>
+          <a:p>
+            <a:pPr algn="ctr"/>
+            <a:r>
+              <a:rPr lang="en-US" sz="11500" b="1" dirty="0" smtClean="0">
+                <a:latin typeface="Arial"/>
+                <a:cs typeface="Arial"/>
+              </a:rPr>
+              <a:t>P EIGHT</a:t>
+            </a:r>
+            <a:endParaRPr lang="en-US" sz="11500" b="1" dirty="0">
+              <a:latin typeface="Arial"/>
+              <a:cs typeface="Arial"/>
+            </a:endParaRPr>
+          </a:p>
+        </p:txBody>
+      </p:sp>
+    </p:spTree>
+    <p:extLst>
+      <p:ext uri="{BB962C8B-B14F-4D97-AF65-F5344CB8AC3E}">
+        <p14:creationId xmlns:p14="http://schemas.microsoft.com/office/powerpoint/2010/main" val="17777951"/>
+      </p:ext>
+    </p:extLst>
+  </p:cSld>
+  <p:clrMapOvr>
+    <a:masterClrMapping/>
+  </p:clrMapOvr>
+</p:sld>
+</file>
+
+<file path=ppt/slides/slide9.xml><?xml version="1.0" encoding="utf-8"?>
+<p:sld xmlns:a="http://schemas.openxmlformats.org/drawingml/2006/main" xmlns:r="http://schemas.openxmlformats.org/officeDocument/2006/relationships" xmlns:p="http://schemas.openxmlformats.org/presentationml/2006/main">
+  <p:cSld>
+    <p:spTree>
+      <p:nvGrpSpPr>
+        <p:cNvPr id="1" name=""/>
+        <p:cNvGrpSpPr/>
+        <p:nvPr/>
+      </p:nvGrpSpPr>
+      <p:grpSpPr>
+        <a:xfrm>
+          <a:off x="0" y="0"/>
+          <a:ext cx="0" cy="0"/>
+          <a:chOff x="0" y="0"/>
+          <a:chExt cx="0" cy="0"/>
+        </a:xfrm>
+      </p:grpSpPr>
+      <p:sp>
+        <p:nvSpPr>
+          <p:cNvPr id="4" name="Rectangle 3"/>
+          <p:cNvSpPr/>
+          <p:nvPr/>
+        </p:nvSpPr>
+        <p:spPr>
+          <a:xfrm>
+            <a:off x="232142" y="1146983"/>
+            <a:ext cx="8698492" cy="4424075"/>
+          </a:xfrm>
+          <a:prstGeom prst="rect">
+            <a:avLst/>
+          </a:prstGeom>
+          <a:solidFill>
+            <a:srgbClr val="00006B"/>
+          </a:solidFill>
+          <a:ln>
+            <a:noFill/>
+          </a:ln>
+          <a:effectLst/>
+        </p:spPr>
+        <p:style>
+          <a:lnRef idx="1">
+            <a:schemeClr val="accent1"/>
+          </a:lnRef>
+          <a:fillRef idx="3">
+            <a:schemeClr val="accent1"/>
+          </a:fillRef>
+          <a:effectRef idx="2">
+            <a:schemeClr val="accent1"/>
+          </a:effectRef>
+          <a:fontRef idx="minor">
+            <a:schemeClr val="lt1"/>
+          </a:fontRef>
+        </p:style>
+        <p:txBody>
+          <a:bodyPr rtlCol="0" anchor="ctr"/>
+          <a:lstStyle/>
+          <a:p>
+            <a:pPr algn="ctr"/>
+            <a:r>
+              <a:rPr lang="en-US" sz="11500" b="1" dirty="0" smtClean="0">
+                <a:latin typeface="Arial"/>
+                <a:cs typeface="Arial"/>
+              </a:rPr>
+              <a:t>SEMINAR</a:t>
+            </a:r>
+          </a:p>
+          <a:p>
+            <a:pPr algn="ctr"/>
+            <a:r>
+              <a:rPr lang="en-US" sz="11500" b="1" dirty="0" smtClean="0">
+                <a:latin typeface="Arial"/>
+                <a:cs typeface="Arial"/>
+              </a:rPr>
+              <a:t>TWO</a:t>
+            </a:r>
+            <a:endParaRPr lang="en-US" sz="11500" b="1" dirty="0">
+              <a:latin typeface="Arial"/>
+              <a:cs typeface="Arial"/>
+            </a:endParaRPr>
+          </a:p>
+        </p:txBody>
+      </p:sp>
+    </p:spTree>
+    <p:extLst>
+      <p:ext uri="{BB962C8B-B14F-4D97-AF65-F5344CB8AC3E}">
+        <p14:creationId xmlns:p14="http://schemas.microsoft.com/office/powerpoint/2010/main" val="17777951"/>
       </p:ext>
     </p:extLst>
   </p:cSld>

--- a/Cruncher/blue.pptx
+++ b/Cruncher/blue.pptx
@@ -37,10 +37,13 @@
     <p:sldId id="286" r:id="rId31"/>
     <p:sldId id="289" r:id="rId32"/>
     <p:sldId id="287" r:id="rId33"/>
-    <p:sldId id="288" r:id="rId34"/>
+    <p:sldId id="292" r:id="rId34"/>
+    <p:sldId id="288" r:id="rId35"/>
+    <p:sldId id="293" r:id="rId36"/>
+    <p:sldId id="291" r:id="rId37"/>
   </p:sldIdLst>
   <p:sldSz cx="9144000" cy="6858000" type="screen4x3"/>
-  <p:notesSz cx="6858000" cy="9144000"/>
+  <p:notesSz cx="6881813" cy="9296400"/>
   <p:defaultTextStyle>
     <a:defPPr>
       <a:defRPr lang="en-US"/>
@@ -136,6 +139,22 @@
       </a:defRPr>
     </a:lvl9pPr>
   </p:defaultTextStyle>
+  <p:extLst>
+    <p:ext uri="{EFAFB233-063F-42B5-8137-9DF3F51BA10A}">
+      <p15:sldGuideLst xmlns:p15="http://schemas.microsoft.com/office/powerpoint/2012/main">
+        <p15:guide id="1" orient="horz" pos="2160">
+          <p15:clr>
+            <a:srgbClr val="A4A3A4"/>
+          </p15:clr>
+        </p15:guide>
+        <p15:guide id="2" pos="2880">
+          <p15:clr>
+            <a:srgbClr val="A4A3A4"/>
+          </p15:clr>
+        </p15:guide>
+      </p15:sldGuideLst>
+    </p:ext>
+  </p:extLst>
 </p:presentation>
 </file>
 
@@ -320,7 +339,7 @@
           <a:p>
             <a:fld id="{EC79FF52-B5D1-2E48-9B39-2454B8FABFD7}" type="datetimeFigureOut">
               <a:rPr lang="en-US" smtClean="0"/>
-              <a:t>12/11/14</a:t>
+              <a:t>11/12/2014</a:t>
             </a:fld>
             <a:endParaRPr lang="en-US"/>
           </a:p>
@@ -490,7 +509,7 @@
           <a:p>
             <a:fld id="{EC79FF52-B5D1-2E48-9B39-2454B8FABFD7}" type="datetimeFigureOut">
               <a:rPr lang="en-US" smtClean="0"/>
-              <a:t>12/11/14</a:t>
+              <a:t>11/12/2014</a:t>
             </a:fld>
             <a:endParaRPr lang="en-US"/>
           </a:p>
@@ -670,7 +689,7 @@
           <a:p>
             <a:fld id="{EC79FF52-B5D1-2E48-9B39-2454B8FABFD7}" type="datetimeFigureOut">
               <a:rPr lang="en-US" smtClean="0"/>
-              <a:t>12/11/14</a:t>
+              <a:t>11/12/2014</a:t>
             </a:fld>
             <a:endParaRPr lang="en-US"/>
           </a:p>
@@ -840,7 +859,7 @@
           <a:p>
             <a:fld id="{EC79FF52-B5D1-2E48-9B39-2454B8FABFD7}" type="datetimeFigureOut">
               <a:rPr lang="en-US" smtClean="0"/>
-              <a:t>12/11/14</a:t>
+              <a:t>11/12/2014</a:t>
             </a:fld>
             <a:endParaRPr lang="en-US"/>
           </a:p>
@@ -1086,7 +1105,7 @@
           <a:p>
             <a:fld id="{EC79FF52-B5D1-2E48-9B39-2454B8FABFD7}" type="datetimeFigureOut">
               <a:rPr lang="en-US" smtClean="0"/>
-              <a:t>12/11/14</a:t>
+              <a:t>11/12/2014</a:t>
             </a:fld>
             <a:endParaRPr lang="en-US"/>
           </a:p>
@@ -1374,7 +1393,7 @@
           <a:p>
             <a:fld id="{EC79FF52-B5D1-2E48-9B39-2454B8FABFD7}" type="datetimeFigureOut">
               <a:rPr lang="en-US" smtClean="0"/>
-              <a:t>12/11/14</a:t>
+              <a:t>11/12/2014</a:t>
             </a:fld>
             <a:endParaRPr lang="en-US"/>
           </a:p>
@@ -1796,7 +1815,7 @@
           <a:p>
             <a:fld id="{EC79FF52-B5D1-2E48-9B39-2454B8FABFD7}" type="datetimeFigureOut">
               <a:rPr lang="en-US" smtClean="0"/>
-              <a:t>12/11/14</a:t>
+              <a:t>11/12/2014</a:t>
             </a:fld>
             <a:endParaRPr lang="en-US"/>
           </a:p>
@@ -1914,7 +1933,7 @@
           <a:p>
             <a:fld id="{EC79FF52-B5D1-2E48-9B39-2454B8FABFD7}" type="datetimeFigureOut">
               <a:rPr lang="en-US" smtClean="0"/>
-              <a:t>12/11/14</a:t>
+              <a:t>11/12/2014</a:t>
             </a:fld>
             <a:endParaRPr lang="en-US"/>
           </a:p>
@@ -2009,7 +2028,7 @@
           <a:p>
             <a:fld id="{EC79FF52-B5D1-2E48-9B39-2454B8FABFD7}" type="datetimeFigureOut">
               <a:rPr lang="en-US" smtClean="0"/>
-              <a:t>12/11/14</a:t>
+              <a:t>11/12/2014</a:t>
             </a:fld>
             <a:endParaRPr lang="en-US"/>
           </a:p>
@@ -2286,7 +2305,7 @@
           <a:p>
             <a:fld id="{EC79FF52-B5D1-2E48-9B39-2454B8FABFD7}" type="datetimeFigureOut">
               <a:rPr lang="en-US" smtClean="0"/>
-              <a:t>12/11/14</a:t>
+              <a:t>11/12/2014</a:t>
             </a:fld>
             <a:endParaRPr lang="en-US"/>
           </a:p>
@@ -2539,7 +2558,7 @@
           <a:p>
             <a:fld id="{EC79FF52-B5D1-2E48-9B39-2454B8FABFD7}" type="datetimeFigureOut">
               <a:rPr lang="en-US" smtClean="0"/>
-              <a:t>12/11/14</a:t>
+              <a:t>11/12/2014</a:t>
             </a:fld>
             <a:endParaRPr lang="en-US"/>
           </a:p>
@@ -2752,7 +2771,7 @@
           <a:p>
             <a:fld id="{EC79FF52-B5D1-2E48-9B39-2454B8FABFD7}" type="datetimeFigureOut">
               <a:rPr lang="en-US" smtClean="0"/>
-              <a:t>12/11/14</a:t>
+              <a:t>11/12/2014</a:t>
             </a:fld>
             <a:endParaRPr lang="en-US"/>
           </a:p>
@@ -3142,7 +3161,7 @@
             <a:avLst/>
           </a:prstGeom>
           <a:solidFill>
-            <a:srgbClr val="00006B"/>
+            <a:srgbClr val="0000DE"/>
           </a:solidFill>
           <a:ln>
             <a:noFill/>
@@ -3227,7 +3246,7 @@
             <a:avLst/>
           </a:prstGeom>
           <a:solidFill>
-            <a:srgbClr val="00006B"/>
+            <a:srgbClr val="0000DE"/>
           </a:solidFill>
           <a:ln>
             <a:noFill/>
@@ -3312,7 +3331,7 @@
             <a:avLst/>
           </a:prstGeom>
           <a:solidFill>
-            <a:srgbClr val="00006B"/>
+            <a:srgbClr val="0000DE"/>
           </a:solidFill>
           <a:ln>
             <a:noFill/>
@@ -3407,7 +3426,7 @@
             <a:avLst/>
           </a:prstGeom>
           <a:solidFill>
-            <a:srgbClr val="00006B"/>
+            <a:srgbClr val="0000DE"/>
           </a:solidFill>
           <a:ln>
             <a:noFill/>
@@ -3502,7 +3521,7 @@
             <a:avLst/>
           </a:prstGeom>
           <a:solidFill>
-            <a:srgbClr val="00006B"/>
+            <a:srgbClr val="0000DE"/>
           </a:solidFill>
           <a:ln>
             <a:noFill/>
@@ -3597,7 +3616,7 @@
             <a:avLst/>
           </a:prstGeom>
           <a:solidFill>
-            <a:srgbClr val="00006B"/>
+            <a:srgbClr val="0000DE"/>
           </a:solidFill>
           <a:ln>
             <a:noFill/>
@@ -3692,7 +3711,7 @@
             <a:avLst/>
           </a:prstGeom>
           <a:solidFill>
-            <a:srgbClr val="00006B"/>
+            <a:srgbClr val="0000DE"/>
           </a:solidFill>
           <a:ln>
             <a:noFill/>
@@ -3787,7 +3806,7 @@
             <a:avLst/>
           </a:prstGeom>
           <a:solidFill>
-            <a:srgbClr val="00006B"/>
+            <a:srgbClr val="0000DE"/>
           </a:solidFill>
           <a:ln>
             <a:noFill/>
@@ -3882,7 +3901,7 @@
             <a:avLst/>
           </a:prstGeom>
           <a:solidFill>
-            <a:srgbClr val="00006B"/>
+            <a:srgbClr val="0000DE"/>
           </a:solidFill>
           <a:ln>
             <a:noFill/>
@@ -3977,7 +3996,7 @@
             <a:avLst/>
           </a:prstGeom>
           <a:solidFill>
-            <a:srgbClr val="00006B"/>
+            <a:srgbClr val="0000DE"/>
           </a:solidFill>
           <a:ln>
             <a:noFill/>
@@ -4020,10 +4039,6 @@
               </a:rPr>
               <a:t>CLASS</a:t>
             </a:r>
-            <a:endParaRPr lang="en-US" sz="11500" b="1" dirty="0" smtClean="0">
-              <a:latin typeface="Arial"/>
-              <a:cs typeface="Arial"/>
-            </a:endParaRPr>
           </a:p>
         </p:txBody>
       </p:sp>
@@ -4072,7 +4087,7 @@
             <a:avLst/>
           </a:prstGeom>
           <a:solidFill>
-            <a:srgbClr val="00006B"/>
+            <a:srgbClr val="0000DE"/>
           </a:solidFill>
           <a:ln>
             <a:noFill/>
@@ -4115,10 +4130,6 @@
               </a:rPr>
               <a:t>ONE</a:t>
             </a:r>
-            <a:endParaRPr lang="en-US" sz="11500" b="1" dirty="0" smtClean="0">
-              <a:latin typeface="Arial"/>
-              <a:cs typeface="Arial"/>
-            </a:endParaRPr>
           </a:p>
         </p:txBody>
       </p:sp>
@@ -4167,7 +4178,7 @@
             <a:avLst/>
           </a:prstGeom>
           <a:solidFill>
-            <a:srgbClr val="00006B"/>
+            <a:srgbClr val="0000DE"/>
           </a:solidFill>
           <a:ln>
             <a:noFill/>
@@ -4252,7 +4263,7 @@
             <a:avLst/>
           </a:prstGeom>
           <a:solidFill>
-            <a:srgbClr val="00006B"/>
+            <a:srgbClr val="0000DE"/>
           </a:solidFill>
           <a:ln>
             <a:noFill/>
@@ -4295,10 +4306,6 @@
               </a:rPr>
               <a:t>ONE</a:t>
             </a:r>
-            <a:endParaRPr lang="en-US" sz="11500" b="1" dirty="0" smtClean="0">
-              <a:latin typeface="Arial"/>
-              <a:cs typeface="Arial"/>
-            </a:endParaRPr>
           </a:p>
         </p:txBody>
       </p:sp>
@@ -4347,7 +4354,7 @@
             <a:avLst/>
           </a:prstGeom>
           <a:solidFill>
-            <a:srgbClr val="00006B"/>
+            <a:srgbClr val="0000DE"/>
           </a:solidFill>
           <a:ln>
             <a:noFill/>
@@ -4390,10 +4397,6 @@
               </a:rPr>
               <a:t>TWO</a:t>
             </a:r>
-            <a:endParaRPr lang="en-US" sz="11500" b="1" dirty="0" smtClean="0">
-              <a:latin typeface="Arial"/>
-              <a:cs typeface="Arial"/>
-            </a:endParaRPr>
           </a:p>
         </p:txBody>
       </p:sp>
@@ -4442,7 +4445,7 @@
             <a:avLst/>
           </a:prstGeom>
           <a:solidFill>
-            <a:srgbClr val="00006B"/>
+            <a:srgbClr val="0000DE"/>
           </a:solidFill>
           <a:ln>
             <a:noFill/>
@@ -4485,10 +4488,6 @@
               </a:rPr>
               <a:t>NINE</a:t>
             </a:r>
-            <a:endParaRPr lang="en-US" sz="11500" b="1" dirty="0" smtClean="0">
-              <a:latin typeface="Arial"/>
-              <a:cs typeface="Arial"/>
-            </a:endParaRPr>
           </a:p>
         </p:txBody>
       </p:sp>
@@ -4537,7 +4536,7 @@
             <a:avLst/>
           </a:prstGeom>
           <a:solidFill>
-            <a:srgbClr val="00006B"/>
+            <a:srgbClr val="0000DE"/>
           </a:solidFill>
           <a:ln>
             <a:noFill/>
@@ -4580,10 +4579,6 @@
               </a:rPr>
               <a:t>FOUR</a:t>
             </a:r>
-            <a:endParaRPr lang="en-US" sz="11500" b="1" dirty="0" smtClean="0">
-              <a:latin typeface="Arial"/>
-              <a:cs typeface="Arial"/>
-            </a:endParaRPr>
           </a:p>
         </p:txBody>
       </p:sp>
@@ -4632,7 +4627,7 @@
             <a:avLst/>
           </a:prstGeom>
           <a:solidFill>
-            <a:srgbClr val="00006B"/>
+            <a:srgbClr val="0000DE"/>
           </a:solidFill>
           <a:ln>
             <a:noFill/>
@@ -4675,10 +4670,6 @@
               </a:rPr>
               <a:t>HACKERS</a:t>
             </a:r>
-            <a:endParaRPr lang="en-US" sz="11500" b="1" dirty="0" smtClean="0">
-              <a:latin typeface="Arial"/>
-              <a:cs typeface="Arial"/>
-            </a:endParaRPr>
           </a:p>
         </p:txBody>
       </p:sp>
@@ -4727,7 +4718,7 @@
             <a:avLst/>
           </a:prstGeom>
           <a:solidFill>
-            <a:srgbClr val="00006B"/>
+            <a:srgbClr val="0000DE"/>
           </a:solidFill>
           <a:ln>
             <a:noFill/>
@@ -4770,10 +4761,6 @@
               </a:rPr>
               <a:t>SIX</a:t>
             </a:r>
-            <a:endParaRPr lang="en-US" sz="11500" b="1" dirty="0" smtClean="0">
-              <a:latin typeface="Arial"/>
-              <a:cs typeface="Arial"/>
-            </a:endParaRPr>
           </a:p>
         </p:txBody>
       </p:sp>
@@ -4822,7 +4809,7 @@
             <a:avLst/>
           </a:prstGeom>
           <a:solidFill>
-            <a:srgbClr val="00006B"/>
+            <a:srgbClr val="0000DE"/>
           </a:solidFill>
           <a:ln>
             <a:noFill/>
@@ -4865,10 +4852,6 @@
               </a:rPr>
               <a:t>EVELEN</a:t>
             </a:r>
-            <a:endParaRPr lang="en-US" sz="11500" b="1" dirty="0" smtClean="0">
-              <a:latin typeface="Arial"/>
-              <a:cs typeface="Arial"/>
-            </a:endParaRPr>
           </a:p>
         </p:txBody>
       </p:sp>
@@ -4917,7 +4900,7 @@
             <a:avLst/>
           </a:prstGeom>
           <a:solidFill>
-            <a:srgbClr val="00006B"/>
+            <a:srgbClr val="0000DE"/>
           </a:solidFill>
           <a:ln>
             <a:noFill/>
@@ -4960,10 +4943,6 @@
               </a:rPr>
               <a:t>EIGHT</a:t>
             </a:r>
-            <a:endParaRPr lang="en-US" sz="11500" b="1" dirty="0" smtClean="0">
-              <a:latin typeface="Arial"/>
-              <a:cs typeface="Arial"/>
-            </a:endParaRPr>
           </a:p>
         </p:txBody>
       </p:sp>
@@ -5012,7 +4991,7 @@
             <a:avLst/>
           </a:prstGeom>
           <a:solidFill>
-            <a:srgbClr val="00006B"/>
+            <a:srgbClr val="0000DE"/>
           </a:solidFill>
           <a:ln>
             <a:noFill/>
@@ -5055,10 +5034,6 @@
               </a:rPr>
               <a:t>NINE</a:t>
             </a:r>
-            <a:endParaRPr lang="en-US" sz="11500" b="1" dirty="0" smtClean="0">
-              <a:latin typeface="Arial"/>
-              <a:cs typeface="Arial"/>
-            </a:endParaRPr>
           </a:p>
         </p:txBody>
       </p:sp>
@@ -5107,7 +5082,7 @@
             <a:avLst/>
           </a:prstGeom>
           <a:solidFill>
-            <a:srgbClr val="00006B"/>
+            <a:srgbClr val="0000DE"/>
           </a:solidFill>
           <a:ln>
             <a:noFill/>
@@ -5188,7 +5163,7 @@
             <a:avLst/>
           </a:prstGeom>
           <a:solidFill>
-            <a:srgbClr val="00006B"/>
+            <a:srgbClr val="0000DE"/>
           </a:solidFill>
           <a:ln>
             <a:noFill/>
@@ -5283,7 +5258,7 @@
             <a:avLst/>
           </a:prstGeom>
           <a:solidFill>
-            <a:srgbClr val="00006B"/>
+            <a:srgbClr val="0000DE"/>
           </a:solidFill>
           <a:ln>
             <a:noFill/>
@@ -5326,10 +5301,6 @@
               </a:rPr>
               <a:t>ONE ST</a:t>
             </a:r>
-            <a:endParaRPr lang="en-US" sz="11500" b="1" dirty="0" smtClean="0">
-              <a:latin typeface="Arial"/>
-              <a:cs typeface="Arial"/>
-            </a:endParaRPr>
           </a:p>
         </p:txBody>
       </p:sp>
@@ -5378,7 +5349,7 @@
             <a:avLst/>
           </a:prstGeom>
           <a:solidFill>
-            <a:srgbClr val="00006B"/>
+            <a:srgbClr val="0000DE"/>
           </a:solidFill>
           <a:ln>
             <a:noFill/>
@@ -5421,10 +5392,6 @@
               </a:rPr>
               <a:t>ONE ED</a:t>
             </a:r>
-            <a:endParaRPr lang="en-US" sz="11500" b="1" dirty="0" smtClean="0">
-              <a:latin typeface="Arial"/>
-              <a:cs typeface="Arial"/>
-            </a:endParaRPr>
           </a:p>
         </p:txBody>
       </p:sp>
@@ -5473,7 +5440,7 @@
             <a:avLst/>
           </a:prstGeom>
           <a:solidFill>
-            <a:srgbClr val="00006B"/>
+            <a:srgbClr val="0000DE"/>
           </a:solidFill>
           <a:ln>
             <a:noFill/>
@@ -5516,10 +5483,6 @@
               </a:rPr>
               <a:t>ONE</a:t>
             </a:r>
-            <a:endParaRPr lang="en-US" sz="11500" b="1" dirty="0" smtClean="0">
-              <a:latin typeface="Arial"/>
-              <a:cs typeface="Arial"/>
-            </a:endParaRPr>
           </a:p>
         </p:txBody>
       </p:sp>
@@ -5568,7 +5531,7 @@
             <a:avLst/>
           </a:prstGeom>
           <a:solidFill>
-            <a:srgbClr val="00006B"/>
+            <a:srgbClr val="0000DE"/>
           </a:solidFill>
           <a:ln>
             <a:noFill/>
@@ -5599,7 +5562,7 @@
                 <a:latin typeface="Arial"/>
                 <a:cs typeface="Arial"/>
               </a:rPr>
-              <a:t>GLASS</a:t>
+              <a:t>CURB</a:t>
             </a:r>
           </a:p>
           <a:p>
@@ -5609,7 +5572,98 @@
                 <a:latin typeface="Arial"/>
                 <a:cs typeface="Arial"/>
               </a:rPr>
-              <a:t>DOOR</a:t>
+              <a:t>ONE</a:t>
+            </a:r>
+          </a:p>
+        </p:txBody>
+      </p:sp>
+    </p:spTree>
+    <p:extLst>
+      <p:ext uri="{BB962C8B-B14F-4D97-AF65-F5344CB8AC3E}">
+        <p14:creationId xmlns:p14="http://schemas.microsoft.com/office/powerpoint/2010/main" val="132068941"/>
+      </p:ext>
+    </p:extLst>
+  </p:cSld>
+  <p:clrMapOvr>
+    <a:masterClrMapping/>
+  </p:clrMapOvr>
+</p:sld>
+</file>
+
+<file path=ppt/slides/slide34.xml><?xml version="1.0" encoding="utf-8"?>
+<p:sld xmlns:a="http://schemas.openxmlformats.org/drawingml/2006/main" xmlns:r="http://schemas.openxmlformats.org/officeDocument/2006/relationships" xmlns:p="http://schemas.openxmlformats.org/presentationml/2006/main">
+  <p:cSld>
+    <p:spTree>
+      <p:nvGrpSpPr>
+        <p:cNvPr id="1" name=""/>
+        <p:cNvGrpSpPr/>
+        <p:nvPr/>
+      </p:nvGrpSpPr>
+      <p:grpSpPr>
+        <a:xfrm>
+          <a:off x="0" y="0"/>
+          <a:ext cx="0" cy="0"/>
+          <a:chOff x="0" y="0"/>
+          <a:chExt cx="0" cy="0"/>
+        </a:xfrm>
+      </p:grpSpPr>
+      <p:sp>
+        <p:nvSpPr>
+          <p:cNvPr id="4" name="Rectangle 3"/>
+          <p:cNvSpPr/>
+          <p:nvPr/>
+        </p:nvSpPr>
+        <p:spPr>
+          <a:xfrm>
+            <a:off x="232142" y="1146983"/>
+            <a:ext cx="8698492" cy="4424075"/>
+          </a:xfrm>
+          <a:prstGeom prst="rect">
+            <a:avLst/>
+          </a:prstGeom>
+          <a:solidFill>
+            <a:srgbClr val="0000DE"/>
+          </a:solidFill>
+          <a:ln>
+            <a:noFill/>
+          </a:ln>
+          <a:effectLst/>
+        </p:spPr>
+        <p:style>
+          <a:lnRef idx="1">
+            <a:schemeClr val="accent1"/>
+          </a:lnRef>
+          <a:fillRef idx="3">
+            <a:schemeClr val="accent1"/>
+          </a:fillRef>
+          <a:effectRef idx="2">
+            <a:schemeClr val="accent1"/>
+          </a:effectRef>
+          <a:fontRef idx="minor">
+            <a:schemeClr val="lt1"/>
+          </a:fontRef>
+        </p:style>
+        <p:txBody>
+          <a:bodyPr rtlCol="0" anchor="ctr"/>
+          <a:lstStyle/>
+          <a:p>
+            <a:pPr algn="ctr"/>
+            <a:r>
+              <a:rPr lang="en-US" sz="11500" b="1" dirty="0" smtClean="0">
+                <a:latin typeface="Arial"/>
+                <a:cs typeface="Arial"/>
+              </a:rPr>
+              <a:t>GLASS</a:t>
+            </a:r>
+          </a:p>
+          <a:p>
+            <a:pPr algn="ctr"/>
+            <a:r>
+              <a:rPr lang="en-US" sz="11500" b="1" dirty="0" smtClean="0">
+                <a:latin typeface="Arial"/>
+                <a:cs typeface="Arial"/>
+              </a:rPr>
+              <a:t>ONE</a:t>
             </a:r>
             <a:endParaRPr lang="en-US" sz="11500" b="1" dirty="0" smtClean="0">
               <a:latin typeface="Arial"/>
@@ -5622,6 +5676,196 @@
     <p:extLst>
       <p:ext uri="{BB962C8B-B14F-4D97-AF65-F5344CB8AC3E}">
         <p14:creationId xmlns:p14="http://schemas.microsoft.com/office/powerpoint/2010/main" val="2412980010"/>
+      </p:ext>
+    </p:extLst>
+  </p:cSld>
+  <p:clrMapOvr>
+    <a:masterClrMapping/>
+  </p:clrMapOvr>
+</p:sld>
+</file>
+
+<file path=ppt/slides/slide35.xml><?xml version="1.0" encoding="utf-8"?>
+<p:sld xmlns:a="http://schemas.openxmlformats.org/drawingml/2006/main" xmlns:r="http://schemas.openxmlformats.org/officeDocument/2006/relationships" xmlns:p="http://schemas.openxmlformats.org/presentationml/2006/main">
+  <p:cSld>
+    <p:spTree>
+      <p:nvGrpSpPr>
+        <p:cNvPr id="1" name=""/>
+        <p:cNvGrpSpPr/>
+        <p:nvPr/>
+      </p:nvGrpSpPr>
+      <p:grpSpPr>
+        <a:xfrm>
+          <a:off x="0" y="0"/>
+          <a:ext cx="0" cy="0"/>
+          <a:chOff x="0" y="0"/>
+          <a:chExt cx="0" cy="0"/>
+        </a:xfrm>
+      </p:grpSpPr>
+      <p:sp>
+        <p:nvSpPr>
+          <p:cNvPr id="4" name="Rectangle 3"/>
+          <p:cNvSpPr/>
+          <p:nvPr/>
+        </p:nvSpPr>
+        <p:spPr>
+          <a:xfrm>
+            <a:off x="232142" y="1146983"/>
+            <a:ext cx="8698492" cy="4424075"/>
+          </a:xfrm>
+          <a:prstGeom prst="rect">
+            <a:avLst/>
+          </a:prstGeom>
+          <a:solidFill>
+            <a:srgbClr val="0000DE"/>
+          </a:solidFill>
+          <a:ln>
+            <a:noFill/>
+          </a:ln>
+          <a:effectLst/>
+        </p:spPr>
+        <p:style>
+          <a:lnRef idx="1">
+            <a:schemeClr val="accent1"/>
+          </a:lnRef>
+          <a:fillRef idx="3">
+            <a:schemeClr val="accent1"/>
+          </a:fillRef>
+          <a:effectRef idx="2">
+            <a:schemeClr val="accent1"/>
+          </a:effectRef>
+          <a:fontRef idx="minor">
+            <a:schemeClr val="lt1"/>
+          </a:fontRef>
+        </p:style>
+        <p:txBody>
+          <a:bodyPr rtlCol="0" anchor="ctr"/>
+          <a:lstStyle/>
+          <a:p>
+            <a:pPr algn="ctr"/>
+            <a:r>
+              <a:rPr lang="en-US" sz="11500" b="1" dirty="0" smtClean="0">
+                <a:latin typeface="Arial"/>
+                <a:cs typeface="Arial"/>
+              </a:rPr>
+              <a:t>GLASS</a:t>
+            </a:r>
+          </a:p>
+          <a:p>
+            <a:pPr algn="ctr"/>
+            <a:r>
+              <a:rPr lang="en-US" sz="11500" b="1" dirty="0" smtClean="0">
+                <a:latin typeface="Arial"/>
+                <a:cs typeface="Arial"/>
+              </a:rPr>
+              <a:t>ONE</a:t>
+            </a:r>
+            <a:endParaRPr lang="en-US" sz="11500" b="1" dirty="0" smtClean="0">
+              <a:latin typeface="Arial"/>
+              <a:cs typeface="Arial"/>
+            </a:endParaRPr>
+          </a:p>
+        </p:txBody>
+      </p:sp>
+    </p:spTree>
+    <p:extLst>
+      <p:ext uri="{BB962C8B-B14F-4D97-AF65-F5344CB8AC3E}">
+        <p14:creationId xmlns:p14="http://schemas.microsoft.com/office/powerpoint/2010/main" val="2696827027"/>
+      </p:ext>
+    </p:extLst>
+  </p:cSld>
+  <p:clrMapOvr>
+    <a:masterClrMapping/>
+  </p:clrMapOvr>
+</p:sld>
+</file>
+
+<file path=ppt/slides/slide36.xml><?xml version="1.0" encoding="utf-8"?>
+<p:sld xmlns:a="http://schemas.openxmlformats.org/drawingml/2006/main" xmlns:r="http://schemas.openxmlformats.org/officeDocument/2006/relationships" xmlns:p="http://schemas.openxmlformats.org/presentationml/2006/main">
+  <p:cSld>
+    <p:spTree>
+      <p:nvGrpSpPr>
+        <p:cNvPr id="1" name=""/>
+        <p:cNvGrpSpPr/>
+        <p:nvPr/>
+      </p:nvGrpSpPr>
+      <p:grpSpPr>
+        <a:xfrm>
+          <a:off x="0" y="0"/>
+          <a:ext cx="0" cy="0"/>
+          <a:chOff x="0" y="0"/>
+          <a:chExt cx="0" cy="0"/>
+        </a:xfrm>
+      </p:grpSpPr>
+      <p:sp>
+        <p:nvSpPr>
+          <p:cNvPr id="4" name="Rectangle 3"/>
+          <p:cNvSpPr/>
+          <p:nvPr/>
+        </p:nvSpPr>
+        <p:spPr>
+          <a:xfrm>
+            <a:off x="232142" y="1146983"/>
+            <a:ext cx="8698492" cy="4424075"/>
+          </a:xfrm>
+          <a:prstGeom prst="rect">
+            <a:avLst/>
+          </a:prstGeom>
+          <a:solidFill>
+            <a:srgbClr val="0000DE"/>
+          </a:solidFill>
+          <a:ln>
+            <a:noFill/>
+          </a:ln>
+          <a:effectLst/>
+        </p:spPr>
+        <p:style>
+          <a:lnRef idx="1">
+            <a:schemeClr val="accent1"/>
+          </a:lnRef>
+          <a:fillRef idx="3">
+            <a:schemeClr val="accent1"/>
+          </a:fillRef>
+          <a:effectRef idx="2">
+            <a:schemeClr val="accent1"/>
+          </a:effectRef>
+          <a:fontRef idx="minor">
+            <a:schemeClr val="lt1"/>
+          </a:fontRef>
+        </p:style>
+        <p:txBody>
+          <a:bodyPr rtlCol="0" anchor="ctr"/>
+          <a:lstStyle/>
+          <a:p>
+            <a:pPr algn="ctr"/>
+            <a:r>
+              <a:rPr lang="en-US" sz="11500" b="1" dirty="0" smtClean="0">
+                <a:latin typeface="Arial"/>
+                <a:cs typeface="Arial"/>
+              </a:rPr>
+              <a:t>GLASS</a:t>
+            </a:r>
+          </a:p>
+          <a:p>
+            <a:pPr algn="ctr"/>
+            <a:r>
+              <a:rPr lang="en-US" sz="11500" b="1" dirty="0" smtClean="0">
+                <a:latin typeface="Arial"/>
+                <a:cs typeface="Arial"/>
+              </a:rPr>
+              <a:t>TWO</a:t>
+            </a:r>
+            <a:endParaRPr lang="en-US" sz="11500" b="1" dirty="0" smtClean="0">
+              <a:latin typeface="Arial"/>
+              <a:cs typeface="Arial"/>
+            </a:endParaRPr>
+          </a:p>
+        </p:txBody>
+      </p:sp>
+    </p:spTree>
+    <p:extLst>
+      <p:ext uri="{BB962C8B-B14F-4D97-AF65-F5344CB8AC3E}">
+        <p14:creationId xmlns:p14="http://schemas.microsoft.com/office/powerpoint/2010/main" val="1327427314"/>
       </p:ext>
     </p:extLst>
   </p:cSld>
@@ -5663,7 +5907,7 @@
             <a:avLst/>
           </a:prstGeom>
           <a:solidFill>
-            <a:srgbClr val="00006B"/>
+            <a:srgbClr val="0000DE"/>
           </a:solidFill>
           <a:ln>
             <a:noFill/>
@@ -5748,7 +5992,7 @@
             <a:avLst/>
           </a:prstGeom>
           <a:solidFill>
-            <a:srgbClr val="00006B"/>
+            <a:srgbClr val="0000DE"/>
           </a:solidFill>
           <a:ln>
             <a:noFill/>
@@ -5798,6 +6042,13 @@
   <p:clrMapOvr>
     <a:masterClrMapping/>
   </p:clrMapOvr>
+  <p:timing>
+    <p:tnLst>
+      <p:par>
+        <p:cTn id="1" dur="indefinite" restart="never" nodeType="tmRoot"/>
+      </p:par>
+    </p:tnLst>
+  </p:timing>
 </p:sld>
 </file>
 
@@ -5833,7 +6084,7 @@
             <a:avLst/>
           </a:prstGeom>
           <a:solidFill>
-            <a:srgbClr val="00006B"/>
+            <a:srgbClr val="0000DE"/>
           </a:solidFill>
           <a:ln>
             <a:noFill/>
@@ -5918,7 +6169,7 @@
             <a:avLst/>
           </a:prstGeom>
           <a:solidFill>
-            <a:srgbClr val="00006B"/>
+            <a:srgbClr val="0000DE"/>
           </a:solidFill>
           <a:ln>
             <a:noFill/>
@@ -6003,7 +6254,7 @@
             <a:avLst/>
           </a:prstGeom>
           <a:solidFill>
-            <a:srgbClr val="00006B"/>
+            <a:srgbClr val="0000DE"/>
           </a:solidFill>
           <a:ln>
             <a:noFill/>
@@ -6088,7 +6339,7 @@
             <a:avLst/>
           </a:prstGeom>
           <a:solidFill>
-            <a:srgbClr val="00006B"/>
+            <a:srgbClr val="0000DE"/>
           </a:solidFill>
           <a:ln>
             <a:noFill/>
